--- a/Video Ver1/Video PPT/32. Left Outer Join.pptx
+++ b/Video Ver1/Video PPT/32. Left Outer Join.pptx
@@ -5,14 +5,12 @@
     <p:sldMasterId id="2147483648" r:id="rId1"/>
   </p:sldMasterIdLst>
   <p:notesMasterIdLst>
-    <p:notesMasterId r:id="rId7"/>
+    <p:notesMasterId r:id="rId5"/>
   </p:notesMasterIdLst>
   <p:sldIdLst>
     <p:sldId id="507" r:id="rId2"/>
     <p:sldId id="508" r:id="rId3"/>
-    <p:sldId id="501" r:id="rId4"/>
-    <p:sldId id="502" r:id="rId5"/>
-    <p:sldId id="506" r:id="rId6"/>
+    <p:sldId id="502" r:id="rId4"/>
   </p:sldIdLst>
   <p:sldSz cx="12190413" cy="6858000"/>
   <p:notesSz cx="6858000" cy="9144000"/>
@@ -113,7 +111,7 @@
   </p:defaultTextStyle>
   <p:extLst>
     <p:ext uri="{521415D9-36F7-43E2-AB2F-B90AF26B5E84}">
-      <p14:sectionLst xmlns="" xmlns:p14="http://schemas.microsoft.com/office/powerpoint/2010/main">
+      <p14:sectionLst xmlns:p14="http://schemas.microsoft.com/office/powerpoint/2010/main" xmlns="">
         <p14:section name="Introduction" id="{A3D14946-8297-4856-B082-4FEFA482017C}">
           <p14:sldIdLst>
             <p14:sldId id="282"/>
@@ -754,7 +752,7 @@
       </p14:sectionLst>
     </p:ext>
     <p:ext uri="{EFAFB233-063F-42B5-8137-9DF3F51BA10A}">
-      <p15:sldGuideLst xmlns="" xmlns:p15="http://schemas.microsoft.com/office/powerpoint/2012/main">
+      <p15:sldGuideLst xmlns:p15="http://schemas.microsoft.com/office/powerpoint/2012/main" xmlns="">
         <p15:guide id="1" orient="horz" pos="2160">
           <p15:clr>
             <a:srgbClr val="A4A3A4"/>
@@ -776,7 +774,7 @@
   <p:cmAuthor id="1" name="Saleel" initials="S" lastIdx="1" clrIdx="0">
     <p:extLst>
       <p:ext uri="{19B8F6BF-5375-455C-9EA6-DF929625EA0E}">
-        <p15:presenceInfo xmlns="" xmlns:p15="http://schemas.microsoft.com/office/powerpoint/2012/main" userId="Saleel" providerId="None"/>
+        <p15:presenceInfo xmlns:p15="http://schemas.microsoft.com/office/powerpoint/2012/main" xmlns="" userId="Saleel" providerId="None"/>
       </p:ext>
     </p:extLst>
   </p:cmAuthor>
@@ -866,7 +864,7 @@
             <a:fld id="{4DF51050-3720-483B-B552-57DC1341D582}" type="datetimeFigureOut">
               <a:rPr lang="en-US" smtClean="0"/>
               <a:pPr/>
-              <a:t>6/6/2020</a:t>
+              <a:t>6/15/2020</a:t>
             </a:fld>
             <a:endParaRPr lang="en-US"/>
           </a:p>
@@ -1131,96 +1129,6 @@
 </p:notesMaster>
 </file>
 
-<file path=ppt/notesSlides/notesSlide1.xml><?xml version="1.0" encoding="utf-8"?>
-<p:notes xmlns:a="http://schemas.openxmlformats.org/drawingml/2006/main" xmlns:r="http://schemas.openxmlformats.org/officeDocument/2006/relationships" xmlns:p="http://schemas.openxmlformats.org/presentationml/2006/main">
-  <p:cSld>
-    <p:spTree>
-      <p:nvGrpSpPr>
-        <p:cNvPr id="1" name=""/>
-        <p:cNvGrpSpPr/>
-        <p:nvPr/>
-      </p:nvGrpSpPr>
-      <p:grpSpPr>
-        <a:xfrm>
-          <a:off x="0" y="0"/>
-          <a:ext cx="0" cy="0"/>
-          <a:chOff x="0" y="0"/>
-          <a:chExt cx="0" cy="0"/>
-        </a:xfrm>
-      </p:grpSpPr>
-      <p:sp>
-        <p:nvSpPr>
-          <p:cNvPr id="2" name="Slide Image Placeholder 1"/>
-          <p:cNvSpPr>
-            <a:spLocks noGrp="1" noRot="1" noChangeAspect="1"/>
-          </p:cNvSpPr>
-          <p:nvPr>
-            <p:ph type="sldImg"/>
-          </p:nvPr>
-        </p:nvSpPr>
-        <p:spPr>
-          <a:xfrm>
-            <a:off x="685800" y="1143000"/>
-            <a:ext cx="5486400" cy="3086100"/>
-          </a:xfrm>
-        </p:spPr>
-      </p:sp>
-      <p:sp>
-        <p:nvSpPr>
-          <p:cNvPr id="3" name="Notes Placeholder 2"/>
-          <p:cNvSpPr>
-            <a:spLocks noGrp="1"/>
-          </p:cNvSpPr>
-          <p:nvPr>
-            <p:ph type="body" idx="1"/>
-          </p:nvPr>
-        </p:nvSpPr>
-        <p:spPr/>
-        <p:txBody>
-          <a:bodyPr/>
-          <a:lstStyle/>
-          <a:p>
-            <a:endParaRPr lang="en-US" dirty="0"/>
-          </a:p>
-        </p:txBody>
-      </p:sp>
-      <p:sp>
-        <p:nvSpPr>
-          <p:cNvPr id="4" name="Slide Number Placeholder 3"/>
-          <p:cNvSpPr>
-            <a:spLocks noGrp="1"/>
-          </p:cNvSpPr>
-          <p:nvPr>
-            <p:ph type="sldNum" sz="quarter" idx="10"/>
-          </p:nvPr>
-        </p:nvSpPr>
-        <p:spPr/>
-        <p:txBody>
-          <a:bodyPr/>
-          <a:lstStyle/>
-          <a:p>
-            <a:fld id="{A7AC5AE1-8B73-453E-AD5C-7AC64EE599C7}" type="slidenum">
-              <a:rPr lang="en-IN" smtClean="0"/>
-              <a:pPr/>
-              <a:t>5</a:t>
-            </a:fld>
-            <a:endParaRPr lang="en-IN"/>
-          </a:p>
-        </p:txBody>
-      </p:sp>
-    </p:spTree>
-    <p:extLst>
-      <p:ext uri="{BB962C8B-B14F-4D97-AF65-F5344CB8AC3E}">
-        <p14:creationId xmlns="" xmlns:p14="http://schemas.microsoft.com/office/powerpoint/2010/main" val="4169711313"/>
-      </p:ext>
-    </p:extLst>
-  </p:cSld>
-  <p:clrMapOvr>
-    <a:masterClrMapping/>
-  </p:clrMapOvr>
-</p:notes>
-</file>
-
 <file path=ppt/slideLayouts/slideLayout1.xml><?xml version="1.0" encoding="utf-8"?>
 <p:sldLayout xmlns:a="http://schemas.openxmlformats.org/drawingml/2006/main" xmlns:r="http://schemas.openxmlformats.org/officeDocument/2006/relationships" xmlns:p="http://schemas.openxmlformats.org/presentationml/2006/main" type="title" preserve="1">
   <p:cSld name="Title Slide">
@@ -1415,7 +1323,7 @@
             <a:fld id="{EEE556E8-492E-4E8F-8E7F-7A7787724D01}" type="datetimeFigureOut">
               <a:rPr lang="en-US" smtClean="0"/>
               <a:pPr/>
-              <a:t>6/6/2020</a:t>
+              <a:t>6/15/2020</a:t>
             </a:fld>
             <a:endParaRPr lang="en-US"/>
           </a:p>
@@ -1620,7 +1528,7 @@
             <a:fld id="{EEE556E8-492E-4E8F-8E7F-7A7787724D01}" type="datetimeFigureOut">
               <a:rPr lang="en-US" smtClean="0"/>
               <a:pPr/>
-              <a:t>6/6/2020</a:t>
+              <a:t>6/15/2020</a:t>
             </a:fld>
             <a:endParaRPr lang="en-US"/>
           </a:p>
@@ -1825,7 +1733,7 @@
             <a:fld id="{EEE556E8-492E-4E8F-8E7F-7A7787724D01}" type="datetimeFigureOut">
               <a:rPr lang="en-US" smtClean="0"/>
               <a:pPr/>
-              <a:t>6/6/2020</a:t>
+              <a:t>6/15/2020</a:t>
             </a:fld>
             <a:endParaRPr lang="en-US"/>
           </a:p>
@@ -2030,7 +1938,7 @@
             <a:fld id="{EEE556E8-492E-4E8F-8E7F-7A7787724D01}" type="datetimeFigureOut">
               <a:rPr lang="en-US" smtClean="0"/>
               <a:pPr/>
-              <a:t>6/6/2020</a:t>
+              <a:t>6/15/2020</a:t>
             </a:fld>
             <a:endParaRPr lang="en-US"/>
           </a:p>
@@ -2302,7 +2210,7 @@
             <a:fld id="{EEE556E8-492E-4E8F-8E7F-7A7787724D01}" type="datetimeFigureOut">
               <a:rPr lang="en-US" smtClean="0"/>
               <a:pPr/>
-              <a:t>6/6/2020</a:t>
+              <a:t>6/15/2020</a:t>
             </a:fld>
             <a:endParaRPr lang="en-US"/>
           </a:p>
@@ -2622,7 +2530,7 @@
             <a:fld id="{EEE556E8-492E-4E8F-8E7F-7A7787724D01}" type="datetimeFigureOut">
               <a:rPr lang="en-US" smtClean="0"/>
               <a:pPr/>
-              <a:t>6/6/2020</a:t>
+              <a:t>6/15/2020</a:t>
             </a:fld>
             <a:endParaRPr lang="en-US"/>
           </a:p>
@@ -3082,7 +2990,7 @@
             <a:fld id="{EEE556E8-492E-4E8F-8E7F-7A7787724D01}" type="datetimeFigureOut">
               <a:rPr lang="en-US" smtClean="0"/>
               <a:pPr/>
-              <a:t>6/6/2020</a:t>
+              <a:t>6/15/2020</a:t>
             </a:fld>
             <a:endParaRPr lang="en-US"/>
           </a:p>
@@ -3228,7 +3136,7 @@
             <a:fld id="{EEE556E8-492E-4E8F-8E7F-7A7787724D01}" type="datetimeFigureOut">
               <a:rPr lang="en-US" smtClean="0"/>
               <a:pPr/>
-              <a:t>6/6/2020</a:t>
+              <a:t>6/15/2020</a:t>
             </a:fld>
             <a:endParaRPr lang="en-US"/>
           </a:p>
@@ -3558,7 +3466,7 @@
             <a:fld id="{EEE556E8-492E-4E8F-8E7F-7A7787724D01}" type="datetimeFigureOut">
               <a:rPr lang="en-US" smtClean="0"/>
               <a:pPr/>
-              <a:t>6/6/2020</a:t>
+              <a:t>6/15/2020</a:t>
             </a:fld>
             <a:endParaRPr lang="en-US"/>
           </a:p>
@@ -3840,7 +3748,7 @@
             <a:fld id="{EEE556E8-492E-4E8F-8E7F-7A7787724D01}" type="datetimeFigureOut">
               <a:rPr lang="en-US" smtClean="0"/>
               <a:pPr/>
-              <a:t>6/6/2020</a:t>
+              <a:t>6/15/2020</a:t>
             </a:fld>
             <a:endParaRPr lang="en-US"/>
           </a:p>
@@ -4255,7 +4163,7 @@
                 <a:latin typeface="Segoe UI Light" panose="020B0502040204020203" pitchFamily="34" charset="0"/>
                 <a:cs typeface="Segoe UI Light" panose="020B0502040204020203" pitchFamily="34" charset="0"/>
               </a:rPr>
-              <a:t>Inner/ equi Join</a:t>
+              <a:t>LEFT OUTER JOIN</a:t>
             </a:r>
             <a:endParaRPr lang="en-US" sz="4800" dirty="0">
               <a:latin typeface="Segoe UI Light" panose="020B0502040204020203" pitchFamily="34" charset="0"/>
@@ -4269,7 +4177,7 @@
           <p:cNvPr id="3" name="Picture 2">
             <a:extLst>
               <a:ext uri="{FF2B5EF4-FFF2-40B4-BE49-F238E27FC236}">
-                <a16:creationId xmlns:a16="http://schemas.microsoft.com/office/drawing/2014/main" xmlns="" id="{41A85463-8A73-4AAF-B006-A8206B2E4A66}"/>
+                <a16:creationId xmlns="" xmlns:a16="http://schemas.microsoft.com/office/drawing/2014/main" id="{41A85463-8A73-4AAF-B006-A8206B2E4A66}"/>
               </a:ext>
             </a:extLst>
           </p:cNvPr>
@@ -4282,7 +4190,7 @@
           <a:blip r:embed="rId2" cstate="print">
             <a:extLst>
               <a:ext uri="{28A0092B-C50C-407E-A947-70E740481C1C}">
-                <a14:useLocalDpi xmlns:a14="http://schemas.microsoft.com/office/drawing/2010/main" xmlns="" val="0"/>
+                <a14:useLocalDpi xmlns="" xmlns:a14="http://schemas.microsoft.com/office/drawing/2010/main" val="0"/>
               </a:ext>
             </a:extLst>
           </a:blip>
@@ -4305,7 +4213,7 @@
           <p:cNvPr id="4" name="Footer Placeholder 2">
             <a:extLst>
               <a:ext uri="{FF2B5EF4-FFF2-40B4-BE49-F238E27FC236}">
-                <a16:creationId xmlns:a16="http://schemas.microsoft.com/office/drawing/2014/main" xmlns="" id="{4610B96E-6F6B-4597-8ADF-B68C8A17E820}"/>
+                <a16:creationId xmlns="" xmlns:a16="http://schemas.microsoft.com/office/drawing/2014/main" id="{4610B96E-6F6B-4597-8ADF-B68C8A17E820}"/>
               </a:ext>
             </a:extLst>
           </p:cNvPr>
@@ -4432,48 +4340,16 @@
           </a:p>
         </p:txBody>
       </p:sp>
-      <p:pic>
-        <p:nvPicPr>
-          <p:cNvPr id="1026" name="Picture 2"/>
-          <p:cNvPicPr>
-            <a:picLocks noChangeAspect="1" noChangeArrowheads="1"/>
-          </p:cNvPicPr>
-          <p:nvPr/>
-        </p:nvPicPr>
-        <p:blipFill>
-          <a:blip r:embed="rId3" cstate="print"/>
-          <a:srcRect/>
-          <a:stretch>
-            <a:fillRect/>
-          </a:stretch>
-        </p:blipFill>
-        <p:spPr bwMode="auto">
-          <a:xfrm>
-            <a:off x="1558702" y="348630"/>
-            <a:ext cx="9153525" cy="2000250"/>
-          </a:xfrm>
-          <a:prstGeom prst="rect">
-            <a:avLst/>
-          </a:prstGeom>
-          <a:noFill/>
-          <a:ln w="9525">
-            <a:noFill/>
-            <a:miter lim="800000"/>
-            <a:headEnd/>
-            <a:tailEnd/>
-          </a:ln>
-        </p:spPr>
-      </p:pic>
-      <p:sp>
-        <p:nvSpPr>
-          <p:cNvPr id="9" name="Rectangle 8"/>
+      <p:sp>
+        <p:nvSpPr>
+          <p:cNvPr id="10" name="Rectangle 9"/>
           <p:cNvSpPr/>
           <p:nvPr/>
         </p:nvSpPr>
         <p:spPr>
           <a:xfrm>
-            <a:off x="334566" y="3429000"/>
-            <a:ext cx="11377264" cy="646331"/>
+            <a:off x="523042" y="3357562"/>
+            <a:ext cx="11144328" cy="646331"/>
           </a:xfrm>
           <a:prstGeom prst="rect">
             <a:avLst/>
@@ -4489,7 +4365,7 @@
               <a:rPr lang="en-US" dirty="0" smtClean="0">
                 <a:latin typeface="Palatino Linotype" pitchFamily="18" charset="0"/>
               </a:rPr>
-              <a:t>The inner join is one of the most commonly used joins in SQL. The inner join clause allows you to query data from two or more related tables.</a:t>
+              <a:t>The LEFT JOIN clause allows you to query data from multiple tables. It returns all rows from the left table and the matching rows from the right table. If no matching rows found in the right table, NULL are used.</a:t>
             </a:r>
             <a:endParaRPr lang="en-US" dirty="0">
               <a:latin typeface="Palatino Linotype" pitchFamily="18" charset="0"/>
@@ -4497,256 +4373,10 @@
           </a:p>
         </p:txBody>
       </p:sp>
-      <p:sp>
-        <p:nvSpPr>
-          <p:cNvPr id="7" name="Rectangle 6"/>
-          <p:cNvSpPr/>
-          <p:nvPr/>
-        </p:nvSpPr>
-        <p:spPr>
-          <a:xfrm>
-            <a:off x="262559" y="4471952"/>
-            <a:ext cx="11665296" cy="1477328"/>
-          </a:xfrm>
-          <a:prstGeom prst="rect">
-            <a:avLst/>
-          </a:prstGeom>
-          <a:noFill/>
-        </p:spPr>
-        <p:txBody>
-          <a:bodyPr wrap="square">
-            <a:spAutoFit/>
-          </a:bodyPr>
-          <a:lstStyle>
-            <a:defPPr>
-              <a:defRPr lang="en-US"/>
-            </a:defPPr>
-            <a:lvl1pPr marL="0" algn="l" defTabSz="914400" rtl="0" eaLnBrk="1" latinLnBrk="0" hangingPunct="1">
-              <a:defRPr sz="1800" kern="1200">
-                <a:solidFill>
-                  <a:schemeClr val="tx1"/>
-                </a:solidFill>
-                <a:latin typeface="+mn-lt"/>
-                <a:ea typeface="+mn-ea"/>
-                <a:cs typeface="+mn-cs"/>
-              </a:defRPr>
-            </a:lvl1pPr>
-            <a:lvl2pPr marL="457200" algn="l" defTabSz="914400" rtl="0" eaLnBrk="1" latinLnBrk="0" hangingPunct="1">
-              <a:defRPr sz="1800" kern="1200">
-                <a:solidFill>
-                  <a:schemeClr val="tx1"/>
-                </a:solidFill>
-                <a:latin typeface="+mn-lt"/>
-                <a:ea typeface="+mn-ea"/>
-                <a:cs typeface="+mn-cs"/>
-              </a:defRPr>
-            </a:lvl2pPr>
-            <a:lvl3pPr marL="914400" algn="l" defTabSz="914400" rtl="0" eaLnBrk="1" latinLnBrk="0" hangingPunct="1">
-              <a:defRPr sz="1800" kern="1200">
-                <a:solidFill>
-                  <a:schemeClr val="tx1"/>
-                </a:solidFill>
-                <a:latin typeface="+mn-lt"/>
-                <a:ea typeface="+mn-ea"/>
-                <a:cs typeface="+mn-cs"/>
-              </a:defRPr>
-            </a:lvl3pPr>
-            <a:lvl4pPr marL="1371600" algn="l" defTabSz="914400" rtl="0" eaLnBrk="1" latinLnBrk="0" hangingPunct="1">
-              <a:defRPr sz="1800" kern="1200">
-                <a:solidFill>
-                  <a:schemeClr val="tx1"/>
-                </a:solidFill>
-                <a:latin typeface="+mn-lt"/>
-                <a:ea typeface="+mn-ea"/>
-                <a:cs typeface="+mn-cs"/>
-              </a:defRPr>
-            </a:lvl4pPr>
-            <a:lvl5pPr marL="1828800" algn="l" defTabSz="914400" rtl="0" eaLnBrk="1" latinLnBrk="0" hangingPunct="1">
-              <a:defRPr sz="1800" kern="1200">
-                <a:solidFill>
-                  <a:schemeClr val="tx1"/>
-                </a:solidFill>
-                <a:latin typeface="+mn-lt"/>
-                <a:ea typeface="+mn-ea"/>
-                <a:cs typeface="+mn-cs"/>
-              </a:defRPr>
-            </a:lvl5pPr>
-            <a:lvl6pPr marL="2286000" algn="l" defTabSz="914400" rtl="0" eaLnBrk="1" latinLnBrk="0" hangingPunct="1">
-              <a:defRPr sz="1800" kern="1200">
-                <a:solidFill>
-                  <a:schemeClr val="tx1"/>
-                </a:solidFill>
-                <a:latin typeface="+mn-lt"/>
-                <a:ea typeface="+mn-ea"/>
-                <a:cs typeface="+mn-cs"/>
-              </a:defRPr>
-            </a:lvl6pPr>
-            <a:lvl7pPr marL="2743200" algn="l" defTabSz="914400" rtl="0" eaLnBrk="1" latinLnBrk="0" hangingPunct="1">
-              <a:defRPr sz="1800" kern="1200">
-                <a:solidFill>
-                  <a:schemeClr val="tx1"/>
-                </a:solidFill>
-                <a:latin typeface="+mn-lt"/>
-                <a:ea typeface="+mn-ea"/>
-                <a:cs typeface="+mn-cs"/>
-              </a:defRPr>
-            </a:lvl7pPr>
-            <a:lvl8pPr marL="3200400" algn="l" defTabSz="914400" rtl="0" eaLnBrk="1" latinLnBrk="0" hangingPunct="1">
-              <a:defRPr sz="1800" kern="1200">
-                <a:solidFill>
-                  <a:schemeClr val="tx1"/>
-                </a:solidFill>
-                <a:latin typeface="+mn-lt"/>
-                <a:ea typeface="+mn-ea"/>
-                <a:cs typeface="+mn-cs"/>
-              </a:defRPr>
-            </a:lvl8pPr>
-            <a:lvl9pPr marL="3657600" algn="l" defTabSz="914400" rtl="0" eaLnBrk="1" latinLnBrk="0" hangingPunct="1">
-              <a:defRPr sz="1800" kern="1200">
-                <a:solidFill>
-                  <a:schemeClr val="tx1"/>
-                </a:solidFill>
-                <a:latin typeface="+mn-lt"/>
-                <a:ea typeface="+mn-ea"/>
-                <a:cs typeface="+mn-cs"/>
-              </a:defRPr>
-            </a:lvl9pPr>
-          </a:lstStyle>
-          <a:p>
-            <a:r>
-              <a:rPr lang="en-IN" b="1" dirty="0" smtClean="0">
-                <a:latin typeface="Palatino Linotype" panose="02040502050505030304" pitchFamily="18" charset="0"/>
-                <a:cs typeface="Arial" panose="020B0604020202020204" pitchFamily="34" charset="0"/>
-              </a:rPr>
-              <a:t>INNER</a:t>
-            </a:r>
-            <a:r>
-              <a:rPr lang="en-IN" dirty="0" smtClean="0">
-                <a:latin typeface="Palatino Linotype" panose="02040502050505030304" pitchFamily="18" charset="0"/>
-                <a:cs typeface="Arial" panose="020B0604020202020204" pitchFamily="34" charset="0"/>
-              </a:rPr>
-              <a:t> </a:t>
-            </a:r>
-            <a:r>
-              <a:rPr lang="en-IN" b="1" dirty="0" smtClean="0">
-                <a:latin typeface="Palatino Linotype" panose="02040502050505030304" pitchFamily="18" charset="0"/>
-                <a:cs typeface="Arial" panose="020B0604020202020204" pitchFamily="34" charset="0"/>
-              </a:rPr>
-              <a:t>JOIN</a:t>
-            </a:r>
-            <a:r>
-              <a:rPr lang="en-IN" dirty="0" smtClean="0">
-                <a:latin typeface="Palatino Linotype" panose="02040502050505030304" pitchFamily="18" charset="0"/>
-                <a:cs typeface="Arial" panose="020B0604020202020204" pitchFamily="34" charset="0"/>
-              </a:rPr>
-              <a:t> </a:t>
-            </a:r>
-            <a:r>
-              <a:rPr lang="en-IN" dirty="0">
-                <a:latin typeface="Palatino Linotype" panose="02040502050505030304" pitchFamily="18" charset="0"/>
-                <a:cs typeface="Arial" panose="020B0604020202020204" pitchFamily="34" charset="0"/>
-              </a:rPr>
-              <a:t>performs a JOIN against equality or matching column(s) values of the associated tables. An </a:t>
-            </a:r>
-            <a:r>
-              <a:rPr lang="en-IN" dirty="0" smtClean="0">
-                <a:latin typeface="Palatino Linotype" panose="02040502050505030304" pitchFamily="18" charset="0"/>
-                <a:cs typeface="Arial" panose="020B0604020202020204" pitchFamily="34" charset="0"/>
-              </a:rPr>
-              <a:t>equal sign (=) </a:t>
-            </a:r>
-            <a:r>
-              <a:rPr lang="en-IN" dirty="0">
-                <a:latin typeface="Palatino Linotype" panose="02040502050505030304" pitchFamily="18" charset="0"/>
-                <a:cs typeface="Arial" panose="020B0604020202020204" pitchFamily="34" charset="0"/>
-              </a:rPr>
-              <a:t>is used as comparison operator in the </a:t>
-            </a:r>
-            <a:r>
-              <a:rPr lang="en-IN" b="1" dirty="0" smtClean="0">
-                <a:latin typeface="Palatino Linotype" panose="02040502050505030304" pitchFamily="18" charset="0"/>
-                <a:cs typeface="Arial" panose="020B0604020202020204" pitchFamily="34" charset="0"/>
-              </a:rPr>
-              <a:t>ON</a:t>
-            </a:r>
-            <a:r>
-              <a:rPr lang="en-IN" dirty="0" smtClean="0">
-                <a:latin typeface="Palatino Linotype" panose="02040502050505030304" pitchFamily="18" charset="0"/>
-                <a:cs typeface="Arial" panose="020B0604020202020204" pitchFamily="34" charset="0"/>
-              </a:rPr>
-              <a:t> clause </a:t>
-            </a:r>
-            <a:r>
-              <a:rPr lang="en-IN" dirty="0">
-                <a:latin typeface="Palatino Linotype" panose="02040502050505030304" pitchFamily="18" charset="0"/>
-                <a:cs typeface="Arial" panose="020B0604020202020204" pitchFamily="34" charset="0"/>
-              </a:rPr>
-              <a:t>to refer equality</a:t>
-            </a:r>
-            <a:r>
-              <a:rPr lang="en-IN" dirty="0" smtClean="0">
-                <a:latin typeface="Palatino Linotype" panose="02040502050505030304" pitchFamily="18" charset="0"/>
-                <a:cs typeface="Arial" panose="020B0604020202020204" pitchFamily="34" charset="0"/>
-              </a:rPr>
-              <a:t>.</a:t>
-            </a:r>
-          </a:p>
-          <a:p>
-            <a:endParaRPr lang="en-IN" dirty="0" smtClean="0">
-              <a:latin typeface="Palatino Linotype" panose="02040502050505030304" pitchFamily="18" charset="0"/>
-              <a:cs typeface="Arial" panose="020B0604020202020204" pitchFamily="34" charset="0"/>
-            </a:endParaRPr>
-          </a:p>
-          <a:p>
-            <a:r>
-              <a:rPr lang="en-IN" b="1" dirty="0" smtClean="0">
-                <a:latin typeface="Palatino Linotype" panose="02040502050505030304" pitchFamily="18" charset="0"/>
-                <a:cs typeface="Arial" panose="020B0604020202020204" pitchFamily="34" charset="0"/>
-              </a:rPr>
-              <a:t>EQUI</a:t>
-            </a:r>
-            <a:r>
-              <a:rPr lang="en-IN" dirty="0" smtClean="0">
-                <a:latin typeface="Palatino Linotype" panose="02040502050505030304" pitchFamily="18" charset="0"/>
-                <a:cs typeface="Arial" panose="020B0604020202020204" pitchFamily="34" charset="0"/>
-              </a:rPr>
-              <a:t> </a:t>
-            </a:r>
-            <a:r>
-              <a:rPr lang="en-IN" b="1" dirty="0" smtClean="0">
-                <a:latin typeface="Palatino Linotype" panose="02040502050505030304" pitchFamily="18" charset="0"/>
-                <a:cs typeface="Arial" panose="020B0604020202020204" pitchFamily="34" charset="0"/>
-              </a:rPr>
-              <a:t>JOIN</a:t>
-            </a:r>
-            <a:r>
-              <a:rPr lang="en-IN" dirty="0" smtClean="0">
-                <a:latin typeface="Palatino Linotype" panose="02040502050505030304" pitchFamily="18" charset="0"/>
-                <a:cs typeface="Arial" panose="020B0604020202020204" pitchFamily="34" charset="0"/>
-              </a:rPr>
-              <a:t> performs a JOIN against equality or matching column(s) values of the associated tables. An equal sign (=) is used as comparison operator in the </a:t>
-            </a:r>
-            <a:r>
-              <a:rPr lang="en-IN" b="1" dirty="0" smtClean="0">
-                <a:latin typeface="Palatino Linotype" panose="02040502050505030304" pitchFamily="18" charset="0"/>
-                <a:cs typeface="Arial" panose="020B0604020202020204" pitchFamily="34" charset="0"/>
-              </a:rPr>
-              <a:t>WHERE</a:t>
-            </a:r>
-            <a:r>
-              <a:rPr lang="en-IN" dirty="0" smtClean="0">
-                <a:latin typeface="Palatino Linotype" panose="02040502050505030304" pitchFamily="18" charset="0"/>
-                <a:cs typeface="Arial" panose="020B0604020202020204" pitchFamily="34" charset="0"/>
-              </a:rPr>
-              <a:t> clause to refer equality.</a:t>
-            </a:r>
-          </a:p>
-        </p:txBody>
-      </p:sp>
     </p:spTree>
     <p:extLst>
       <p:ext uri="{BB962C8B-B14F-4D97-AF65-F5344CB8AC3E}">
-        <p14:creationId xmlns:p14="http://schemas.microsoft.com/office/powerpoint/2010/main" xmlns="" val="4253925860"/>
+        <p14:creationId xmlns="" xmlns:p14="http://schemas.microsoft.com/office/powerpoint/2010/main" val="4253925860"/>
       </p:ext>
     </p:extLst>
   </p:cSld>
@@ -4756,79 +4386,7 @@
   <p:timing>
     <p:tnLst>
       <p:par>
-        <p:cTn id="1" dur="indefinite" restart="never" nodeType="tmRoot">
-          <p:childTnLst>
-            <p:seq concurrent="1" nextAc="seek">
-              <p:cTn id="2" dur="indefinite" nodeType="mainSeq">
-                <p:childTnLst>
-                  <p:par>
-                    <p:cTn id="3" fill="hold">
-                      <p:stCondLst>
-                        <p:cond delay="indefinite"/>
-                      </p:stCondLst>
-                      <p:childTnLst>
-                        <p:par>
-                          <p:cTn id="4" fill="hold">
-                            <p:stCondLst>
-                              <p:cond delay="0"/>
-                            </p:stCondLst>
-                            <p:childTnLst>
-                              <p:par>
-                                <p:cTn id="5" presetID="1" presetClass="entr" presetSubtype="0" fill="hold" nodeType="clickEffect">
-                                  <p:stCondLst>
-                                    <p:cond delay="0"/>
-                                  </p:stCondLst>
-                                  <p:childTnLst>
-                                    <p:set>
-                                      <p:cBhvr>
-                                        <p:cTn id="6" dur="1" fill="hold">
-                                          <p:stCondLst>
-                                            <p:cond delay="0"/>
-                                          </p:stCondLst>
-                                        </p:cTn>
-                                        <p:tgtEl>
-                                          <p:spTgt spid="7">
-                                            <p:txEl>
-                                              <p:pRg st="0" end="0"/>
-                                            </p:txEl>
-                                          </p:spTgt>
-                                        </p:tgtEl>
-                                        <p:attrNameLst>
-                                          <p:attrName>style.visibility</p:attrName>
-                                        </p:attrNameLst>
-                                      </p:cBhvr>
-                                      <p:to>
-                                        <p:strVal val="visible"/>
-                                      </p:to>
-                                    </p:set>
-                                  </p:childTnLst>
-                                </p:cTn>
-                              </p:par>
-                            </p:childTnLst>
-                          </p:cTn>
-                        </p:par>
-                      </p:childTnLst>
-                    </p:cTn>
-                  </p:par>
-                </p:childTnLst>
-              </p:cTn>
-              <p:prevCondLst>
-                <p:cond evt="onPrev" delay="0">
-                  <p:tgtEl>
-                    <p:sldTgt/>
-                  </p:tgtEl>
-                </p:cond>
-              </p:prevCondLst>
-              <p:nextCondLst>
-                <p:cond evt="onNext" delay="0">
-                  <p:tgtEl>
-                    <p:sldTgt/>
-                  </p:tgtEl>
-                </p:cond>
-              </p:nextCondLst>
-            </p:seq>
-          </p:childTnLst>
-        </p:cTn>
+        <p:cTn id="1" dur="indefinite" restart="never" nodeType="tmRoot"/>
       </p:par>
     </p:tnLst>
   </p:timing>
@@ -4857,7 +4415,7 @@
           <p:cNvPr id="3" name="Picture 2">
             <a:extLst>
               <a:ext uri="{FF2B5EF4-FFF2-40B4-BE49-F238E27FC236}">
-                <a16:creationId xmlns:a16="http://schemas.microsoft.com/office/drawing/2014/main" xmlns="" id="{41A85463-8A73-4AAF-B006-A8206B2E4A66}"/>
+                <a16:creationId xmlns="" xmlns:a16="http://schemas.microsoft.com/office/drawing/2014/main" id="{41A85463-8A73-4AAF-B006-A8206B2E4A66}"/>
               </a:ext>
             </a:extLst>
           </p:cNvPr>
@@ -4870,7 +4428,7 @@
           <a:blip r:embed="rId2" cstate="print">
             <a:extLst>
               <a:ext uri="{28A0092B-C50C-407E-A947-70E740481C1C}">
-                <a14:useLocalDpi xmlns:a14="http://schemas.microsoft.com/office/drawing/2010/main" xmlns="" val="0"/>
+                <a14:useLocalDpi xmlns="" xmlns:a14="http://schemas.microsoft.com/office/drawing/2010/main" val="0"/>
               </a:ext>
             </a:extLst>
           </a:blip>
@@ -4890,99 +4448,10 @@
       </p:pic>
       <p:sp>
         <p:nvSpPr>
-          <p:cNvPr id="5" name="Rectangle 4"/>
-          <p:cNvSpPr/>
-          <p:nvPr/>
-        </p:nvSpPr>
-        <p:spPr>
-          <a:xfrm>
-            <a:off x="406574" y="836712"/>
-            <a:ext cx="11305256" cy="923330"/>
-          </a:xfrm>
-          <a:prstGeom prst="rect">
-            <a:avLst/>
-          </a:prstGeom>
-        </p:spPr>
-        <p:txBody>
-          <a:bodyPr wrap="square">
-            <a:spAutoFit/>
-          </a:bodyPr>
-          <a:lstStyle/>
-          <a:p>
-            <a:r>
-              <a:rPr lang="en-US" b="1" dirty="0" smtClean="0"/>
-              <a:t>Use</a:t>
-            </a:r>
-            <a:r>
-              <a:rPr lang="en-US" dirty="0" smtClean="0"/>
-              <a:t> an  </a:t>
-            </a:r>
-            <a:r>
-              <a:rPr lang="en-US" b="1" dirty="0" smtClean="0"/>
-              <a:t>INNER JOIN</a:t>
-            </a:r>
-            <a:r>
-              <a:rPr lang="en-US" dirty="0" smtClean="0"/>
-              <a:t> when you need to match rows from two tables. Rows that match remain in the result, those that don't are rejected. The match condition is commonly called the </a:t>
-            </a:r>
-            <a:r>
-              <a:rPr lang="en-US" b="1" dirty="0" smtClean="0"/>
-              <a:t>join</a:t>
-            </a:r>
-            <a:r>
-              <a:rPr lang="en-US" dirty="0" smtClean="0"/>
-              <a:t> condition. </a:t>
-            </a:r>
-            <a:r>
-              <a:rPr lang="en-US" dirty="0" smtClean="0">
-                <a:latin typeface="Palatino Linotype" pitchFamily="18" charset="0"/>
-              </a:rPr>
-              <a:t>Inner/ equi Join</a:t>
-            </a:r>
-            <a:r>
-              <a:rPr lang="en-IN" dirty="0" smtClean="0">
-                <a:latin typeface="Palatino Linotype" pitchFamily="18" charset="0"/>
-              </a:rPr>
-              <a:t> returns rows when there is at least one match in both tables.</a:t>
-            </a:r>
-          </a:p>
-        </p:txBody>
-      </p:sp>
-      <p:sp>
-        <p:nvSpPr>
-          <p:cNvPr id="6" name="Rectangle 5"/>
-          <p:cNvSpPr/>
-          <p:nvPr/>
-        </p:nvSpPr>
-        <p:spPr>
-          <a:xfrm>
-            <a:off x="478582" y="1844824"/>
-            <a:ext cx="10945216" cy="646331"/>
-          </a:xfrm>
-          <a:prstGeom prst="rect">
-            <a:avLst/>
-          </a:prstGeom>
-        </p:spPr>
-        <p:txBody>
-          <a:bodyPr wrap="square">
-            <a:spAutoFit/>
-          </a:bodyPr>
-          <a:lstStyle/>
-          <a:p>
-            <a:r>
-              <a:rPr lang="en-US" dirty="0" smtClean="0"/>
-              <a:t>The following table illustrates the inner join of two tables T1 (1,2,3,4,5) and T2 (A,B,C,D). The result includes rows: (2,A), (3,B),a dn (4,C) as they have the same patterns.</a:t>
-            </a:r>
-            <a:endParaRPr lang="en-US" dirty="0"/>
-          </a:p>
-        </p:txBody>
-      </p:sp>
-      <p:sp>
-        <p:nvSpPr>
           <p:cNvPr id="22" name="Footer Placeholder 2">
             <a:extLst>
               <a:ext uri="{FF2B5EF4-FFF2-40B4-BE49-F238E27FC236}">
-                <a16:creationId xmlns="" xmlns:a16="http://schemas.microsoft.com/office/drawing/2014/main" id="{FE7D71F0-97C1-4A7C-A634-BE2CA956F0C6}"/>
+                <a16:creationId xmlns:a16="http://schemas.microsoft.com/office/drawing/2014/main" xmlns="" id="{FE7D71F0-97C1-4A7C-A634-BE2CA956F0C6}"/>
               </a:ext>
             </a:extLst>
           </p:cNvPr>
@@ -5109,762 +4578,100 @@
           </a:p>
         </p:txBody>
       </p:sp>
-      <p:grpSp>
-        <p:nvGrpSpPr>
-          <p:cNvPr id="27" name="Group 26"/>
-          <p:cNvGrpSpPr/>
+      <p:sp>
+        <p:nvSpPr>
+          <p:cNvPr id="26" name="Rectangle 25"/>
+          <p:cNvSpPr/>
           <p:nvPr/>
-        </p:nvGrpSpPr>
-        <p:grpSpPr>
-          <a:xfrm>
-            <a:off x="694606" y="2564904"/>
-            <a:ext cx="9433048" cy="3816424"/>
-            <a:chOff x="508562" y="2564904"/>
-            <a:chExt cx="9433048" cy="3816424"/>
-          </a:xfrm>
-        </p:grpSpPr>
-        <p:grpSp>
-          <p:nvGrpSpPr>
-            <p:cNvPr id="24" name="Group 23"/>
-            <p:cNvGrpSpPr/>
-            <p:nvPr/>
-          </p:nvGrpSpPr>
-          <p:grpSpPr>
-            <a:xfrm>
-              <a:off x="622598" y="2708920"/>
-              <a:ext cx="9159530" cy="3670282"/>
-              <a:chOff x="608084" y="2778150"/>
-              <a:chExt cx="9159530" cy="3670282"/>
-            </a:xfrm>
-          </p:grpSpPr>
-          <p:pic>
-            <p:nvPicPr>
-              <p:cNvPr id="2" name="Picture 2"/>
-              <p:cNvPicPr>
-                <a:picLocks noChangeAspect="1" noChangeArrowheads="1"/>
-              </p:cNvPicPr>
-              <p:nvPr/>
-            </p:nvPicPr>
-            <p:blipFill>
-              <a:blip r:embed="rId3" cstate="print"/>
-              <a:srcRect/>
-              <a:stretch>
-                <a:fillRect/>
-              </a:stretch>
-            </p:blipFill>
-            <p:spPr bwMode="auto">
-              <a:xfrm>
-                <a:off x="622597" y="2778150"/>
-                <a:ext cx="9144000" cy="3670282"/>
-              </a:xfrm>
-              <a:prstGeom prst="rect">
-                <a:avLst/>
-              </a:prstGeom>
-              <a:noFill/>
-              <a:ln w="9525">
-                <a:noFill/>
-                <a:miter lim="800000"/>
-                <a:headEnd/>
-                <a:tailEnd/>
-              </a:ln>
-            </p:spPr>
-          </p:pic>
-          <p:sp>
-            <p:nvSpPr>
-              <p:cNvPr id="23" name="Rectangle 22"/>
-              <p:cNvSpPr/>
-              <p:nvPr/>
-            </p:nvSpPr>
-            <p:spPr>
-              <a:xfrm>
-                <a:off x="608084" y="2778150"/>
-                <a:ext cx="1512168" cy="489542"/>
-              </a:xfrm>
-              <a:prstGeom prst="rect">
-                <a:avLst/>
-              </a:prstGeom>
-              <a:noFill/>
-              <a:ln w="3175">
-                <a:solidFill>
-                  <a:schemeClr val="tx1"/>
-                </a:solidFill>
-              </a:ln>
-            </p:spPr>
-            <p:style>
-              <a:lnRef idx="2">
-                <a:schemeClr val="accent1">
-                  <a:shade val="50000"/>
-                </a:schemeClr>
-              </a:lnRef>
-              <a:fillRef idx="1">
-                <a:schemeClr val="accent1"/>
-              </a:fillRef>
-              <a:effectRef idx="0">
-                <a:schemeClr val="accent1"/>
-              </a:effectRef>
-              <a:fontRef idx="minor">
-                <a:schemeClr val="lt1"/>
-              </a:fontRef>
-            </p:style>
-            <p:txBody>
-              <a:bodyPr rtlCol="0" anchor="ctr"/>
-              <a:lstStyle/>
-              <a:p>
-                <a:pPr algn="ctr"/>
-                <a:endParaRPr lang="en-US"/>
-              </a:p>
-            </p:txBody>
-          </p:sp>
-          <p:sp>
-            <p:nvSpPr>
-              <p:cNvPr id="28" name="Rectangle 27"/>
-              <p:cNvSpPr/>
-              <p:nvPr/>
-            </p:nvSpPr>
-            <p:spPr>
-              <a:xfrm>
-                <a:off x="608084" y="3426222"/>
-                <a:ext cx="1512168" cy="489542"/>
-              </a:xfrm>
-              <a:prstGeom prst="rect">
-                <a:avLst/>
-              </a:prstGeom>
-              <a:noFill/>
-              <a:ln w="3175">
-                <a:solidFill>
-                  <a:schemeClr val="tx1"/>
-                </a:solidFill>
-              </a:ln>
-            </p:spPr>
-            <p:style>
-              <a:lnRef idx="2">
-                <a:schemeClr val="accent1">
-                  <a:shade val="50000"/>
-                </a:schemeClr>
-              </a:lnRef>
-              <a:fillRef idx="1">
-                <a:schemeClr val="accent1"/>
-              </a:fillRef>
-              <a:effectRef idx="0">
-                <a:schemeClr val="accent1"/>
-              </a:effectRef>
-              <a:fontRef idx="minor">
-                <a:schemeClr val="lt1"/>
-              </a:fontRef>
-            </p:style>
-            <p:txBody>
-              <a:bodyPr rtlCol="0" anchor="ctr"/>
-              <a:lstStyle/>
-              <a:p>
-                <a:pPr algn="ctr"/>
-                <a:endParaRPr lang="en-US"/>
-              </a:p>
-            </p:txBody>
-          </p:sp>
-          <p:sp>
-            <p:nvSpPr>
-              <p:cNvPr id="29" name="Rectangle 28"/>
-              <p:cNvSpPr/>
-              <p:nvPr/>
-            </p:nvSpPr>
-            <p:spPr>
-              <a:xfrm>
-                <a:off x="608084" y="4045828"/>
-                <a:ext cx="1512168" cy="489542"/>
-              </a:xfrm>
-              <a:prstGeom prst="rect">
-                <a:avLst/>
-              </a:prstGeom>
-              <a:noFill/>
-              <a:ln w="3175">
-                <a:solidFill>
-                  <a:schemeClr val="tx1"/>
-                </a:solidFill>
-              </a:ln>
-            </p:spPr>
-            <p:style>
-              <a:lnRef idx="2">
-                <a:schemeClr val="accent1">
-                  <a:shade val="50000"/>
-                </a:schemeClr>
-              </a:lnRef>
-              <a:fillRef idx="1">
-                <a:schemeClr val="accent1"/>
-              </a:fillRef>
-              <a:effectRef idx="0">
-                <a:schemeClr val="accent1"/>
-              </a:effectRef>
-              <a:fontRef idx="minor">
-                <a:schemeClr val="lt1"/>
-              </a:fontRef>
-            </p:style>
-            <p:txBody>
-              <a:bodyPr rtlCol="0" anchor="ctr"/>
-              <a:lstStyle/>
-              <a:p>
-                <a:pPr algn="ctr"/>
-                <a:endParaRPr lang="en-US"/>
-              </a:p>
-            </p:txBody>
-          </p:sp>
-          <p:sp>
-            <p:nvSpPr>
-              <p:cNvPr id="30" name="Rectangle 29"/>
-              <p:cNvSpPr/>
-              <p:nvPr/>
-            </p:nvSpPr>
-            <p:spPr>
-              <a:xfrm>
-                <a:off x="608084" y="4679386"/>
-                <a:ext cx="1512168" cy="489542"/>
-              </a:xfrm>
-              <a:prstGeom prst="rect">
-                <a:avLst/>
-              </a:prstGeom>
-              <a:noFill/>
-              <a:ln w="3175">
-                <a:solidFill>
-                  <a:schemeClr val="tx1"/>
-                </a:solidFill>
-              </a:ln>
-            </p:spPr>
-            <p:style>
-              <a:lnRef idx="2">
-                <a:schemeClr val="accent1">
-                  <a:shade val="50000"/>
-                </a:schemeClr>
-              </a:lnRef>
-              <a:fillRef idx="1">
-                <a:schemeClr val="accent1"/>
-              </a:fillRef>
-              <a:effectRef idx="0">
-                <a:schemeClr val="accent1"/>
-              </a:effectRef>
-              <a:fontRef idx="minor">
-                <a:schemeClr val="lt1"/>
-              </a:fontRef>
-            </p:style>
-            <p:txBody>
-              <a:bodyPr rtlCol="0" anchor="ctr"/>
-              <a:lstStyle/>
-              <a:p>
-                <a:pPr algn="ctr"/>
-                <a:endParaRPr lang="en-US"/>
-              </a:p>
-            </p:txBody>
-          </p:sp>
-          <p:sp>
-            <p:nvSpPr>
-              <p:cNvPr id="31" name="Rectangle 30"/>
-              <p:cNvSpPr/>
-              <p:nvPr/>
-            </p:nvSpPr>
-            <p:spPr>
-              <a:xfrm>
-                <a:off x="608084" y="5298430"/>
-                <a:ext cx="1512168" cy="489542"/>
-              </a:xfrm>
-              <a:prstGeom prst="rect">
-                <a:avLst/>
-              </a:prstGeom>
-              <a:noFill/>
-              <a:ln w="3175">
-                <a:solidFill>
-                  <a:schemeClr val="tx1"/>
-                </a:solidFill>
-              </a:ln>
-            </p:spPr>
-            <p:style>
-              <a:lnRef idx="2">
-                <a:schemeClr val="accent1">
-                  <a:shade val="50000"/>
-                </a:schemeClr>
-              </a:lnRef>
-              <a:fillRef idx="1">
-                <a:schemeClr val="accent1"/>
-              </a:fillRef>
-              <a:effectRef idx="0">
-                <a:schemeClr val="accent1"/>
-              </a:effectRef>
-              <a:fontRef idx="minor">
-                <a:schemeClr val="lt1"/>
-              </a:fontRef>
-            </p:style>
-            <p:txBody>
-              <a:bodyPr rtlCol="0" anchor="ctr"/>
-              <a:lstStyle/>
-              <a:p>
-                <a:pPr algn="ctr"/>
-                <a:endParaRPr lang="en-US"/>
-              </a:p>
-            </p:txBody>
-          </p:sp>
-          <p:sp>
-            <p:nvSpPr>
-              <p:cNvPr id="32" name="Rectangle 31"/>
-              <p:cNvSpPr/>
-              <p:nvPr/>
-            </p:nvSpPr>
-            <p:spPr>
-              <a:xfrm>
-                <a:off x="4150990" y="3440174"/>
-                <a:ext cx="1512168" cy="489542"/>
-              </a:xfrm>
-              <a:prstGeom prst="rect">
-                <a:avLst/>
-              </a:prstGeom>
-              <a:noFill/>
-              <a:ln w="3175">
-                <a:solidFill>
-                  <a:schemeClr val="tx1"/>
-                </a:solidFill>
-              </a:ln>
-            </p:spPr>
-            <p:style>
-              <a:lnRef idx="2">
-                <a:schemeClr val="accent1">
-                  <a:shade val="50000"/>
-                </a:schemeClr>
-              </a:lnRef>
-              <a:fillRef idx="1">
-                <a:schemeClr val="accent1"/>
-              </a:fillRef>
-              <a:effectRef idx="0">
-                <a:schemeClr val="accent1"/>
-              </a:effectRef>
-              <a:fontRef idx="minor">
-                <a:schemeClr val="lt1"/>
-              </a:fontRef>
-            </p:style>
-            <p:txBody>
-              <a:bodyPr rtlCol="0" anchor="ctr"/>
-              <a:lstStyle/>
-              <a:p>
-                <a:pPr algn="ctr"/>
-                <a:endParaRPr lang="en-US"/>
-              </a:p>
-            </p:txBody>
-          </p:sp>
-          <p:sp>
-            <p:nvSpPr>
-              <p:cNvPr id="33" name="Rectangle 32"/>
-              <p:cNvSpPr/>
-              <p:nvPr/>
-            </p:nvSpPr>
-            <p:spPr>
-              <a:xfrm>
-                <a:off x="4150990" y="4074856"/>
-                <a:ext cx="1512168" cy="489542"/>
-              </a:xfrm>
-              <a:prstGeom prst="rect">
-                <a:avLst/>
-              </a:prstGeom>
-              <a:noFill/>
-              <a:ln w="3175">
-                <a:solidFill>
-                  <a:schemeClr val="tx1"/>
-                </a:solidFill>
-              </a:ln>
-            </p:spPr>
-            <p:style>
-              <a:lnRef idx="2">
-                <a:schemeClr val="accent1">
-                  <a:shade val="50000"/>
-                </a:schemeClr>
-              </a:lnRef>
-              <a:fillRef idx="1">
-                <a:schemeClr val="accent1"/>
-              </a:fillRef>
-              <a:effectRef idx="0">
-                <a:schemeClr val="accent1"/>
-              </a:effectRef>
-              <a:fontRef idx="minor">
-                <a:schemeClr val="lt1"/>
-              </a:fontRef>
-            </p:style>
-            <p:txBody>
-              <a:bodyPr rtlCol="0" anchor="ctr"/>
-              <a:lstStyle/>
-              <a:p>
-                <a:pPr algn="ctr"/>
-                <a:endParaRPr lang="en-US"/>
-              </a:p>
-            </p:txBody>
-          </p:sp>
-          <p:sp>
-            <p:nvSpPr>
-              <p:cNvPr id="34" name="Rectangle 33"/>
-              <p:cNvSpPr/>
-              <p:nvPr/>
-            </p:nvSpPr>
-            <p:spPr>
-              <a:xfrm>
-                <a:off x="4150990" y="4679386"/>
-                <a:ext cx="1512168" cy="489542"/>
-              </a:xfrm>
-              <a:prstGeom prst="rect">
-                <a:avLst/>
-              </a:prstGeom>
-              <a:noFill/>
-              <a:ln w="3175">
-                <a:solidFill>
-                  <a:schemeClr val="tx1"/>
-                </a:solidFill>
-              </a:ln>
-            </p:spPr>
-            <p:style>
-              <a:lnRef idx="2">
-                <a:schemeClr val="accent1">
-                  <a:shade val="50000"/>
-                </a:schemeClr>
-              </a:lnRef>
-              <a:fillRef idx="1">
-                <a:schemeClr val="accent1"/>
-              </a:fillRef>
-              <a:effectRef idx="0">
-                <a:schemeClr val="accent1"/>
-              </a:effectRef>
-              <a:fontRef idx="minor">
-                <a:schemeClr val="lt1"/>
-              </a:fontRef>
-            </p:style>
-            <p:txBody>
-              <a:bodyPr rtlCol="0" anchor="ctr"/>
-              <a:lstStyle/>
-              <a:p>
-                <a:pPr algn="ctr"/>
-                <a:endParaRPr lang="en-US"/>
-              </a:p>
-            </p:txBody>
-          </p:sp>
-          <p:sp>
-            <p:nvSpPr>
-              <p:cNvPr id="35" name="Rectangle 34"/>
-              <p:cNvSpPr/>
-              <p:nvPr/>
-            </p:nvSpPr>
-            <p:spPr>
-              <a:xfrm>
-                <a:off x="4150990" y="5341972"/>
-                <a:ext cx="1512168" cy="489542"/>
-              </a:xfrm>
-              <a:prstGeom prst="rect">
-                <a:avLst/>
-              </a:prstGeom>
-              <a:noFill/>
-              <a:ln w="3175">
-                <a:solidFill>
-                  <a:schemeClr val="tx1"/>
-                </a:solidFill>
-              </a:ln>
-            </p:spPr>
-            <p:style>
-              <a:lnRef idx="2">
-                <a:schemeClr val="accent1">
-                  <a:shade val="50000"/>
-                </a:schemeClr>
-              </a:lnRef>
-              <a:fillRef idx="1">
-                <a:schemeClr val="accent1"/>
-              </a:fillRef>
-              <a:effectRef idx="0">
-                <a:schemeClr val="accent1"/>
-              </a:effectRef>
-              <a:fontRef idx="minor">
-                <a:schemeClr val="lt1"/>
-              </a:fontRef>
-            </p:style>
-            <p:txBody>
-              <a:bodyPr rtlCol="0" anchor="ctr"/>
-              <a:lstStyle/>
-              <a:p>
-                <a:pPr algn="ctr"/>
-                <a:endParaRPr lang="en-US"/>
-              </a:p>
-            </p:txBody>
-          </p:sp>
-          <p:sp>
-            <p:nvSpPr>
-              <p:cNvPr id="38" name="Rectangle 37"/>
-              <p:cNvSpPr/>
-              <p:nvPr/>
-            </p:nvSpPr>
-            <p:spPr>
-              <a:xfrm>
-                <a:off x="6383238" y="4078486"/>
-                <a:ext cx="3384376" cy="478656"/>
-              </a:xfrm>
-              <a:prstGeom prst="rect">
-                <a:avLst/>
-              </a:prstGeom>
-              <a:noFill/>
-              <a:ln w="3175">
-                <a:solidFill>
-                  <a:schemeClr val="tx1"/>
-                </a:solidFill>
-              </a:ln>
-            </p:spPr>
-            <p:style>
-              <a:lnRef idx="2">
-                <a:schemeClr val="accent1">
-                  <a:shade val="50000"/>
-                </a:schemeClr>
-              </a:lnRef>
-              <a:fillRef idx="1">
-                <a:schemeClr val="accent1"/>
-              </a:fillRef>
-              <a:effectRef idx="0">
-                <a:schemeClr val="accent1"/>
-              </a:effectRef>
-              <a:fontRef idx="minor">
-                <a:schemeClr val="lt1"/>
-              </a:fontRef>
-            </p:style>
-            <p:txBody>
-              <a:bodyPr rtlCol="0" anchor="ctr"/>
-              <a:lstStyle/>
-              <a:p>
-                <a:pPr algn="ctr"/>
-                <a:endParaRPr lang="en-US"/>
-              </a:p>
-            </p:txBody>
-          </p:sp>
-          <p:sp>
-            <p:nvSpPr>
-              <p:cNvPr id="42" name="Rectangle 41"/>
-              <p:cNvSpPr/>
-              <p:nvPr/>
-            </p:nvSpPr>
-            <p:spPr>
-              <a:xfrm>
-                <a:off x="6383238" y="3464322"/>
-                <a:ext cx="3384376" cy="478656"/>
-              </a:xfrm>
-              <a:prstGeom prst="rect">
-                <a:avLst/>
-              </a:prstGeom>
-              <a:noFill/>
-              <a:ln w="3175">
-                <a:solidFill>
-                  <a:schemeClr val="tx1"/>
-                </a:solidFill>
-              </a:ln>
-            </p:spPr>
-            <p:style>
-              <a:lnRef idx="2">
-                <a:schemeClr val="accent1">
-                  <a:shade val="50000"/>
-                </a:schemeClr>
-              </a:lnRef>
-              <a:fillRef idx="1">
-                <a:schemeClr val="accent1"/>
-              </a:fillRef>
-              <a:effectRef idx="0">
-                <a:schemeClr val="accent1"/>
-              </a:effectRef>
-              <a:fontRef idx="minor">
-                <a:schemeClr val="lt1"/>
-              </a:fontRef>
-            </p:style>
-            <p:txBody>
-              <a:bodyPr rtlCol="0" anchor="ctr"/>
-              <a:lstStyle/>
-              <a:p>
-                <a:pPr algn="ctr"/>
-                <a:endParaRPr lang="en-US"/>
-              </a:p>
-            </p:txBody>
-          </p:sp>
-          <p:sp>
-            <p:nvSpPr>
-              <p:cNvPr id="43" name="Rectangle 42"/>
-              <p:cNvSpPr/>
-              <p:nvPr/>
-            </p:nvSpPr>
-            <p:spPr>
-              <a:xfrm>
-                <a:off x="6383238" y="4722366"/>
-                <a:ext cx="3384376" cy="478656"/>
-              </a:xfrm>
-              <a:prstGeom prst="rect">
-                <a:avLst/>
-              </a:prstGeom>
-              <a:noFill/>
-              <a:ln w="3175">
-                <a:solidFill>
-                  <a:schemeClr val="tx1"/>
-                </a:solidFill>
-              </a:ln>
-            </p:spPr>
-            <p:style>
-              <a:lnRef idx="2">
-                <a:schemeClr val="accent1">
-                  <a:shade val="50000"/>
-                </a:schemeClr>
-              </a:lnRef>
-              <a:fillRef idx="1">
-                <a:schemeClr val="accent1"/>
-              </a:fillRef>
-              <a:effectRef idx="0">
-                <a:schemeClr val="accent1"/>
-              </a:effectRef>
-              <a:fontRef idx="minor">
-                <a:schemeClr val="lt1"/>
-              </a:fontRef>
-            </p:style>
-            <p:txBody>
-              <a:bodyPr rtlCol="0" anchor="ctr"/>
-              <a:lstStyle/>
-              <a:p>
-                <a:pPr algn="ctr"/>
-                <a:endParaRPr lang="en-US"/>
-              </a:p>
-            </p:txBody>
-          </p:sp>
-          <p:sp>
-            <p:nvSpPr>
-              <p:cNvPr id="44" name="Rectangle 43"/>
-              <p:cNvSpPr/>
-              <p:nvPr/>
-            </p:nvSpPr>
-            <p:spPr>
-              <a:xfrm>
-                <a:off x="6383238" y="5298430"/>
-                <a:ext cx="3384376" cy="478656"/>
-              </a:xfrm>
-              <a:prstGeom prst="rect">
-                <a:avLst/>
-              </a:prstGeom>
-              <a:noFill/>
-              <a:ln w="3175">
-                <a:solidFill>
-                  <a:schemeClr val="tx1"/>
-                </a:solidFill>
-              </a:ln>
-            </p:spPr>
-            <p:style>
-              <a:lnRef idx="2">
-                <a:schemeClr val="accent1">
-                  <a:shade val="50000"/>
-                </a:schemeClr>
-              </a:lnRef>
-              <a:fillRef idx="1">
-                <a:schemeClr val="accent1"/>
-              </a:fillRef>
-              <a:effectRef idx="0">
-                <a:schemeClr val="accent1"/>
-              </a:effectRef>
-              <a:fontRef idx="minor">
-                <a:schemeClr val="lt1"/>
-              </a:fontRef>
-            </p:style>
-            <p:txBody>
-              <a:bodyPr rtlCol="0" anchor="ctr"/>
-              <a:lstStyle/>
-              <a:p>
-                <a:pPr algn="ctr"/>
-                <a:endParaRPr lang="en-US"/>
-              </a:p>
-            </p:txBody>
-          </p:sp>
-          <p:sp>
-            <p:nvSpPr>
-              <p:cNvPr id="45" name="Rectangle 44"/>
-              <p:cNvSpPr/>
-              <p:nvPr/>
-            </p:nvSpPr>
-            <p:spPr>
-              <a:xfrm>
-                <a:off x="6383238" y="5874494"/>
-                <a:ext cx="3384376" cy="478656"/>
-              </a:xfrm>
-              <a:prstGeom prst="rect">
-                <a:avLst/>
-              </a:prstGeom>
-              <a:noFill/>
-              <a:ln w="3175">
-                <a:solidFill>
-                  <a:schemeClr val="tx1"/>
-                </a:solidFill>
-              </a:ln>
-            </p:spPr>
-            <p:style>
-              <a:lnRef idx="2">
-                <a:schemeClr val="accent1">
-                  <a:shade val="50000"/>
-                </a:schemeClr>
-              </a:lnRef>
-              <a:fillRef idx="1">
-                <a:schemeClr val="accent1"/>
-              </a:fillRef>
-              <a:effectRef idx="0">
-                <a:schemeClr val="accent1"/>
-              </a:effectRef>
-              <a:fontRef idx="minor">
-                <a:schemeClr val="lt1"/>
-              </a:fontRef>
-            </p:style>
-            <p:txBody>
-              <a:bodyPr rtlCol="0" anchor="ctr"/>
-              <a:lstStyle/>
-              <a:p>
-                <a:pPr algn="ctr"/>
-                <a:endParaRPr lang="en-US"/>
-              </a:p>
-            </p:txBody>
-          </p:sp>
-        </p:grpSp>
-        <p:sp>
-          <p:nvSpPr>
-            <p:cNvPr id="25" name="Rectangle 24"/>
-            <p:cNvSpPr/>
-            <p:nvPr/>
-          </p:nvSpPr>
-          <p:spPr>
-            <a:xfrm>
-              <a:off x="508562" y="2564904"/>
-              <a:ext cx="9433048" cy="3816424"/>
-            </a:xfrm>
-            <a:prstGeom prst="rect">
-              <a:avLst/>
-            </a:prstGeom>
-            <a:noFill/>
-            <a:ln>
-              <a:solidFill>
-                <a:schemeClr val="tx1"/>
-              </a:solidFill>
-            </a:ln>
-          </p:spPr>
-          <p:style>
-            <a:lnRef idx="2">
-              <a:schemeClr val="accent1">
-                <a:shade val="50000"/>
-              </a:schemeClr>
-            </a:lnRef>
-            <a:fillRef idx="1">
-              <a:schemeClr val="accent1"/>
-            </a:fillRef>
-            <a:effectRef idx="0">
-              <a:schemeClr val="accent1"/>
-            </a:effectRef>
-            <a:fontRef idx="minor">
-              <a:schemeClr val="lt1"/>
-            </a:fontRef>
-          </p:style>
-          <p:txBody>
-            <a:bodyPr rtlCol="0" anchor="ctr"/>
-            <a:lstStyle/>
-            <a:p>
-              <a:pPr algn="ctr"/>
-              <a:endParaRPr lang="en-US"/>
-            </a:p>
-          </p:txBody>
-        </p:sp>
-      </p:grpSp>
+        </p:nvSpPr>
+        <p:spPr>
+          <a:xfrm>
+            <a:off x="308728" y="714356"/>
+            <a:ext cx="11572956" cy="923330"/>
+          </a:xfrm>
+          <a:prstGeom prst="rect">
+            <a:avLst/>
+          </a:prstGeom>
+        </p:spPr>
+        <p:txBody>
+          <a:bodyPr wrap="square">
+            <a:spAutoFit/>
+          </a:bodyPr>
+          <a:lstStyle/>
+          <a:p>
+            <a:r>
+              <a:rPr lang="en-US" dirty="0" smtClean="0">
+                <a:latin typeface="Palatino Linotype" pitchFamily="18" charset="0"/>
+              </a:rPr>
+              <a:t>Suppose, we want to join two tables: A and B. SQL left outer join returns all rows in the left table (A) and all the matching rows found in the right table (B). It means the result of the SQL left join always contains the rows in the left table. </a:t>
+            </a:r>
+            <a:r>
+              <a:rPr lang="en-US" dirty="0" smtClean="0"/>
+              <a:t>. If no matching rows found in the right table, NULL are displayed.</a:t>
+            </a:r>
+            <a:endParaRPr lang="en-US" dirty="0">
+              <a:latin typeface="Palatino Linotype" pitchFamily="18" charset="0"/>
+            </a:endParaRPr>
+          </a:p>
+        </p:txBody>
+      </p:sp>
+      <p:sp>
+        <p:nvSpPr>
+          <p:cNvPr id="36" name="Rectangle 35"/>
+          <p:cNvSpPr/>
+          <p:nvPr/>
+        </p:nvSpPr>
+        <p:spPr>
+          <a:xfrm>
+            <a:off x="380166" y="1711099"/>
+            <a:ext cx="11501518" cy="646331"/>
+          </a:xfrm>
+          <a:prstGeom prst="rect">
+            <a:avLst/>
+          </a:prstGeom>
+        </p:spPr>
+        <p:txBody>
+          <a:bodyPr wrap="square">
+            <a:spAutoFit/>
+          </a:bodyPr>
+          <a:lstStyle/>
+          <a:p>
+            <a:r>
+              <a:rPr lang="en-US" dirty="0" smtClean="0"/>
+              <a:t>The following example the LEFT JOIN of two tables T1(AC-1, AC-2, AC-3, AC-4, AC-5) and T2(C-1, C-2, C-3, C-4). The LEFT JOIN will match rows from the T1 table with the rows from T2 table using patterns:</a:t>
+            </a:r>
+            <a:endParaRPr lang="en-US" dirty="0"/>
+          </a:p>
+        </p:txBody>
+      </p:sp>
+      <p:pic>
+        <p:nvPicPr>
+          <p:cNvPr id="37" name="Picture 36"/>
+          <p:cNvPicPr>
+            <a:picLocks noChangeAspect="1"/>
+          </p:cNvPicPr>
+          <p:nvPr/>
+        </p:nvPicPr>
+        <p:blipFill>
+          <a:blip r:embed="rId3"/>
+          <a:stretch>
+            <a:fillRect/>
+          </a:stretch>
+        </p:blipFill>
+        <p:spPr>
+          <a:xfrm>
+            <a:off x="1366077" y="2443184"/>
+            <a:ext cx="9515475" cy="4057650"/>
+          </a:xfrm>
+          <a:prstGeom prst="rect">
+            <a:avLst/>
+          </a:prstGeom>
+        </p:spPr>
+      </p:pic>
     </p:spTree>
     <p:extLst>
       <p:ext uri="{BB962C8B-B14F-4D97-AF65-F5344CB8AC3E}">
-        <p14:creationId xmlns:p14="http://schemas.microsoft.com/office/powerpoint/2010/main" xmlns="" val="4253925860"/>
+        <p14:creationId xmlns="" xmlns:p14="http://schemas.microsoft.com/office/powerpoint/2010/main" val="4253925860"/>
       </p:ext>
     </p:extLst>
   </p:cSld>
@@ -5924,8 +4731,11 @@
           <a:p>
             <a:pPr algn="r"/>
             <a:r>
-              <a:rPr lang="en-US" sz="3200" b="1" dirty="0" smtClean="0"/>
-              <a:t>Difference between Natural JOIN and INNER JOIN</a:t>
+              <a:rPr lang="en-US" sz="3200" b="1" i="1" dirty="0" smtClean="0">
+                <a:latin typeface="Arial" pitchFamily="34" charset="0"/>
+                <a:cs typeface="Arial" pitchFamily="34" charset="0"/>
+              </a:rPr>
+              <a:t>Left Outer Join</a:t>
             </a:r>
             <a:endParaRPr lang="en-IN" sz="3200" b="1" i="1" dirty="0">
               <a:latin typeface="Arial" pitchFamily="34" charset="0"/>
@@ -5934,12 +4744,135 @@
           </a:p>
         </p:txBody>
       </p:sp>
+      <p:sp>
+        <p:nvSpPr>
+          <p:cNvPr id="7" name="Rectangle 6"/>
+          <p:cNvSpPr/>
+          <p:nvPr/>
+        </p:nvSpPr>
+        <p:spPr>
+          <a:xfrm>
+            <a:off x="406574" y="1208946"/>
+            <a:ext cx="11444604" cy="707886"/>
+          </a:xfrm>
+          <a:prstGeom prst="rect">
+            <a:avLst/>
+          </a:prstGeom>
+        </p:spPr>
+        <p:txBody>
+          <a:bodyPr wrap="square">
+            <a:spAutoFit/>
+          </a:bodyPr>
+          <a:lstStyle/>
+          <a:p>
+            <a:r>
+              <a:rPr lang="en-US" sz="2000" dirty="0" smtClean="0">
+                <a:latin typeface="Liberation Mono"/>
+              </a:rPr>
+              <a:t>SELECT column-list from &lt;table_references&gt; </a:t>
+            </a:r>
+            <a:r>
+              <a:rPr lang="en-US" sz="2000" b="1" u="sng" dirty="0" smtClean="0">
+                <a:uFill>
+                  <a:solidFill>
+                    <a:srgbClr val="FF0000"/>
+                  </a:solidFill>
+                </a:uFill>
+                <a:latin typeface="Liberation Mono"/>
+              </a:rPr>
+              <a:t>LEFT [OUTER ] JOIN </a:t>
+            </a:r>
+            <a:r>
+              <a:rPr lang="en-US" sz="2000" dirty="0" smtClean="0">
+                <a:latin typeface="Liberation Mono"/>
+              </a:rPr>
+              <a:t>&lt;table_references&gt; </a:t>
+            </a:r>
+            <a:r>
+              <a:rPr lang="en-US" sz="2000" b="1" u="sng" dirty="0" smtClean="0">
+                <a:uFill>
+                  <a:solidFill>
+                    <a:srgbClr val="FF0000"/>
+                  </a:solidFill>
+                </a:uFill>
+                <a:latin typeface="Liberation Mono"/>
+              </a:rPr>
+              <a:t>ON</a:t>
+            </a:r>
+            <a:r>
+              <a:rPr lang="en-US" sz="2000" dirty="0" smtClean="0">
+                <a:latin typeface="Liberation Mono"/>
+              </a:rPr>
+              <a:t> table1.column-name = table2.column-name</a:t>
+            </a:r>
+            <a:endParaRPr lang="en-US" sz="2000" dirty="0">
+              <a:latin typeface="Liberation Mono"/>
+            </a:endParaRPr>
+          </a:p>
+        </p:txBody>
+      </p:sp>
+      <p:sp>
+        <p:nvSpPr>
+          <p:cNvPr id="3" name="Rectangle 2"/>
+          <p:cNvSpPr/>
+          <p:nvPr/>
+        </p:nvSpPr>
+        <p:spPr>
+          <a:xfrm>
+            <a:off x="202398" y="2204864"/>
+            <a:ext cx="11444604" cy="646331"/>
+          </a:xfrm>
+          <a:prstGeom prst="rect">
+            <a:avLst/>
+          </a:prstGeom>
+        </p:spPr>
+        <p:txBody>
+          <a:bodyPr wrap="square">
+            <a:spAutoFit/>
+          </a:bodyPr>
+          <a:lstStyle/>
+          <a:p>
+            <a:pPr marL="285750" indent="-285750">
+              <a:buFont typeface="Arial" panose="020B0604020202020204" pitchFamily="34" charset="0"/>
+              <a:buChar char="•"/>
+            </a:pPr>
+            <a:r>
+              <a:rPr lang="en-US" dirty="0" smtClean="0">
+                <a:latin typeface="Arial" panose="020B0604020202020204" pitchFamily="34" charset="0"/>
+                <a:ea typeface="Times New Roman" panose="02020603050405020304" pitchFamily="18" charset="0"/>
+                <a:cs typeface="Arial" panose="020B0604020202020204" pitchFamily="34" charset="0"/>
+              </a:rPr>
+              <a:t>SELECT student.ID, firstName, lastName, fees FROM student </a:t>
+            </a:r>
+            <a:r>
+              <a:rPr lang="en-US" dirty="0" smtClean="0">
+                <a:latin typeface="Arial" panose="020B0604020202020204" pitchFamily="34" charset="0"/>
+                <a:ea typeface="Times New Roman" panose="02020603050405020304" pitchFamily="18" charset="0"/>
+                <a:cs typeface="Arial" panose="020B0604020202020204" pitchFamily="34" charset="0"/>
+              </a:rPr>
+              <a:t>LEFT OUTER JOIN </a:t>
+            </a:r>
+            <a:r>
+              <a:rPr lang="en-US" dirty="0" smtClean="0">
+                <a:latin typeface="Arial" panose="020B0604020202020204" pitchFamily="34" charset="0"/>
+                <a:ea typeface="Times New Roman" panose="02020603050405020304" pitchFamily="18" charset="0"/>
+                <a:cs typeface="Arial" panose="020B0604020202020204" pitchFamily="34" charset="0"/>
+              </a:rPr>
+              <a:t>coursefees ON student.ID = coursefees.studentID;</a:t>
+            </a:r>
+            <a:endParaRPr lang="en-US" dirty="0">
+              <a:latin typeface="Arial" panose="020B0604020202020204" pitchFamily="34" charset="0"/>
+              <a:cs typeface="Arial" panose="020B0604020202020204" pitchFamily="34" charset="0"/>
+            </a:endParaRPr>
+          </a:p>
+        </p:txBody>
+      </p:sp>
       <p:pic>
         <p:nvPicPr>
-          <p:cNvPr id="7" name="Picture 6">
+          <p:cNvPr id="8" name="Picture 7">
             <a:extLst>
               <a:ext uri="{FF2B5EF4-FFF2-40B4-BE49-F238E27FC236}">
-                <a16:creationId xmlns="" xmlns:a16="http://schemas.microsoft.com/office/drawing/2014/main" id="{D549EEF8-0DDC-4ADB-8B68-691DD0B6B1E9}"/>
+                <a16:creationId xmlns:a16="http://schemas.microsoft.com/office/drawing/2014/main" xmlns="" id="{FEA8C22B-921E-481F-8797-57B673F1241B}"/>
               </a:ext>
             </a:extLst>
           </p:cNvPr>
@@ -5952,7 +4885,7 @@
           <a:blip r:embed="rId2" cstate="print">
             <a:extLst>
               <a:ext uri="{28A0092B-C50C-407E-A947-70E740481C1C}">
-                <a14:useLocalDpi xmlns="" xmlns:a14="http://schemas.microsoft.com/office/drawing/2010/main" val="0"/>
+                <a14:useLocalDpi xmlns:a14="http://schemas.microsoft.com/office/drawing/2010/main" xmlns="" val="0"/>
               </a:ext>
             </a:extLst>
           </a:blip>
@@ -5972,913 +4905,35 @@
       </p:pic>
       <p:sp>
         <p:nvSpPr>
-          <p:cNvPr id="9" name="Footer Placeholder 2">
-            <a:extLst>
-              <a:ext uri="{FF2B5EF4-FFF2-40B4-BE49-F238E27FC236}">
-                <a16:creationId xmlns="" xmlns:a16="http://schemas.microsoft.com/office/drawing/2014/main" id="{FE7D71F0-97C1-4A7C-A634-BE2CA956F0C6}"/>
-              </a:ext>
-            </a:extLst>
-          </p:cNvPr>
-          <p:cNvSpPr txBox="1">
-            <a:spLocks/>
-          </p:cNvSpPr>
-          <p:nvPr/>
-        </p:nvSpPr>
-        <p:spPr>
-          <a:xfrm>
-            <a:off x="3237431" y="6523037"/>
-            <a:ext cx="5400600" cy="365125"/>
-          </a:xfrm>
-          <a:prstGeom prst="rect">
-            <a:avLst/>
-          </a:prstGeom>
-        </p:spPr>
-        <p:txBody>
-          <a:bodyPr/>
-          <a:lstStyle>
-            <a:defPPr>
-              <a:defRPr lang="en-US"/>
-            </a:defPPr>
-            <a:lvl1pPr marL="0" algn="l" defTabSz="914400" rtl="0" eaLnBrk="1" latinLnBrk="0" hangingPunct="1">
-              <a:defRPr sz="1050" kern="1200">
-                <a:solidFill>
-                  <a:schemeClr val="tx1"/>
-                </a:solidFill>
-                <a:latin typeface="+mn-lt"/>
-                <a:ea typeface="+mn-ea"/>
-                <a:cs typeface="+mn-cs"/>
-              </a:defRPr>
-            </a:lvl1pPr>
-            <a:lvl2pPr marL="457200" algn="l" defTabSz="914400" rtl="0" eaLnBrk="1" latinLnBrk="0" hangingPunct="1">
-              <a:defRPr sz="1800" kern="1200">
-                <a:solidFill>
-                  <a:schemeClr val="tx1"/>
-                </a:solidFill>
-                <a:latin typeface="+mn-lt"/>
-                <a:ea typeface="+mn-ea"/>
-                <a:cs typeface="+mn-cs"/>
-              </a:defRPr>
-            </a:lvl2pPr>
-            <a:lvl3pPr marL="914400" algn="l" defTabSz="914400" rtl="0" eaLnBrk="1" latinLnBrk="0" hangingPunct="1">
-              <a:defRPr sz="1800" kern="1200">
-                <a:solidFill>
-                  <a:schemeClr val="tx1"/>
-                </a:solidFill>
-                <a:latin typeface="+mn-lt"/>
-                <a:ea typeface="+mn-ea"/>
-                <a:cs typeface="+mn-cs"/>
-              </a:defRPr>
-            </a:lvl3pPr>
-            <a:lvl4pPr marL="1371600" algn="l" defTabSz="914400" rtl="0" eaLnBrk="1" latinLnBrk="0" hangingPunct="1">
-              <a:defRPr sz="1800" kern="1200">
-                <a:solidFill>
-                  <a:schemeClr val="tx1"/>
-                </a:solidFill>
-                <a:latin typeface="+mn-lt"/>
-                <a:ea typeface="+mn-ea"/>
-                <a:cs typeface="+mn-cs"/>
-              </a:defRPr>
-            </a:lvl4pPr>
-            <a:lvl5pPr marL="1828800" algn="l" defTabSz="914400" rtl="0" eaLnBrk="1" latinLnBrk="0" hangingPunct="1">
-              <a:defRPr sz="1800" kern="1200">
-                <a:solidFill>
-                  <a:schemeClr val="tx1"/>
-                </a:solidFill>
-                <a:latin typeface="+mn-lt"/>
-                <a:ea typeface="+mn-ea"/>
-                <a:cs typeface="+mn-cs"/>
-              </a:defRPr>
-            </a:lvl5pPr>
-            <a:lvl6pPr marL="2286000" algn="l" defTabSz="914400" rtl="0" eaLnBrk="1" latinLnBrk="0" hangingPunct="1">
-              <a:defRPr sz="1800" kern="1200">
-                <a:solidFill>
-                  <a:schemeClr val="tx1"/>
-                </a:solidFill>
-                <a:latin typeface="+mn-lt"/>
-                <a:ea typeface="+mn-ea"/>
-                <a:cs typeface="+mn-cs"/>
-              </a:defRPr>
-            </a:lvl6pPr>
-            <a:lvl7pPr marL="2743200" algn="l" defTabSz="914400" rtl="0" eaLnBrk="1" latinLnBrk="0" hangingPunct="1">
-              <a:defRPr sz="1800" kern="1200">
-                <a:solidFill>
-                  <a:schemeClr val="tx1"/>
-                </a:solidFill>
-                <a:latin typeface="+mn-lt"/>
-                <a:ea typeface="+mn-ea"/>
-                <a:cs typeface="+mn-cs"/>
-              </a:defRPr>
-            </a:lvl7pPr>
-            <a:lvl8pPr marL="3200400" algn="l" defTabSz="914400" rtl="0" eaLnBrk="1" latinLnBrk="0" hangingPunct="1">
-              <a:defRPr sz="1800" kern="1200">
-                <a:solidFill>
-                  <a:schemeClr val="tx1"/>
-                </a:solidFill>
-                <a:latin typeface="+mn-lt"/>
-                <a:ea typeface="+mn-ea"/>
-                <a:cs typeface="+mn-cs"/>
-              </a:defRPr>
-            </a:lvl8pPr>
-            <a:lvl9pPr marL="3657600" algn="l" defTabSz="914400" rtl="0" eaLnBrk="1" latinLnBrk="0" hangingPunct="1">
-              <a:defRPr sz="1800" kern="1200">
-                <a:solidFill>
-                  <a:schemeClr val="tx1"/>
-                </a:solidFill>
-                <a:latin typeface="+mn-lt"/>
-                <a:ea typeface="+mn-ea"/>
-                <a:cs typeface="+mn-cs"/>
-              </a:defRPr>
-            </a:lvl9pPr>
-          </a:lstStyle>
-          <a:p>
-            <a:r>
-              <a:rPr lang="en-US" dirty="0"/>
-              <a:t>Infoway Technologies, 3rd  Floor Commerce Centre, Rambaug Colony, Paud Road Pune 411038</a:t>
-            </a:r>
-            <a:endParaRPr lang="en-IN" dirty="0"/>
-          </a:p>
-          <a:p>
-            <a:endParaRPr lang="en-US" dirty="0"/>
-          </a:p>
-        </p:txBody>
-      </p:sp>
-      <p:graphicFrame>
-        <p:nvGraphicFramePr>
-          <p:cNvPr id="8" name="Table 7"/>
-          <p:cNvGraphicFramePr>
-            <a:graphicFrameLocks noGrp="1"/>
-          </p:cNvGraphicFramePr>
-          <p:nvPr/>
-        </p:nvGraphicFramePr>
-        <p:xfrm>
-          <a:off x="262557" y="800699"/>
-          <a:ext cx="11665296" cy="5508621"/>
-        </p:xfrm>
-        <a:graphic>
-          <a:graphicData uri="http://schemas.openxmlformats.org/drawingml/2006/table">
-            <a:tbl>
-              <a:tblPr/>
-              <a:tblGrid>
-                <a:gridCol w="5832648"/>
-                <a:gridCol w="5832648"/>
-              </a:tblGrid>
-              <a:tr h="285693">
-                <a:tc>
-                  <a:txBody>
-                    <a:bodyPr/>
-                    <a:lstStyle/>
-                    <a:p>
-                      <a:pPr algn="ctr" fontAlgn="base"/>
-                      <a:r>
-                        <a:rPr lang="en-US" sz="1800" b="1" cap="all" dirty="0">
-                          <a:solidFill>
-                            <a:srgbClr val="000000"/>
-                          </a:solidFill>
-                          <a:latin typeface="Palatino Linotype" pitchFamily="18" charset="0"/>
-                        </a:rPr>
-                        <a:t>NATURAL JOIN</a:t>
-                      </a:r>
-                    </a:p>
-                  </a:txBody>
-                  <a:tcPr marL="51017" marR="51017" marT="51017" marB="51017" anchor="ctr">
-                    <a:lnL>
-                      <a:noFill/>
-                    </a:lnL>
-                    <a:lnR>
-                      <a:noFill/>
-                    </a:lnR>
-                    <a:lnT>
-                      <a:noFill/>
-                    </a:lnT>
-                    <a:lnB w="9525" cap="flat" cmpd="sng" algn="ctr">
-                      <a:solidFill>
-                        <a:srgbClr val="EDEDED"/>
-                      </a:solidFill>
-                      <a:prstDash val="solid"/>
-                      <a:round/>
-                      <a:headEnd type="none" w="med" len="med"/>
-                      <a:tailEnd type="none" w="med" len="med"/>
-                    </a:lnB>
-                    <a:noFill/>
-                  </a:tcPr>
-                </a:tc>
-                <a:tc>
-                  <a:txBody>
-                    <a:bodyPr/>
-                    <a:lstStyle/>
-                    <a:p>
-                      <a:pPr algn="ctr" fontAlgn="base"/>
-                      <a:r>
-                        <a:rPr lang="en-US" sz="1800" b="1" cap="all" dirty="0">
-                          <a:solidFill>
-                            <a:srgbClr val="000000"/>
-                          </a:solidFill>
-                          <a:latin typeface="Palatino Linotype" pitchFamily="18" charset="0"/>
-                        </a:rPr>
-                        <a:t>INNER JOIN</a:t>
-                      </a:r>
-                    </a:p>
-                  </a:txBody>
-                  <a:tcPr marL="51017" marR="51017" marT="51017" marB="51017" anchor="ctr">
-                    <a:lnL>
-                      <a:noFill/>
-                    </a:lnL>
-                    <a:lnR>
-                      <a:noFill/>
-                    </a:lnR>
-                    <a:lnT>
-                      <a:noFill/>
-                    </a:lnT>
-                    <a:lnB w="9525" cap="flat" cmpd="sng" algn="ctr">
-                      <a:solidFill>
-                        <a:srgbClr val="EDEDED"/>
-                      </a:solidFill>
-                      <a:prstDash val="solid"/>
-                      <a:round/>
-                      <a:headEnd type="none" w="med" len="med"/>
-                      <a:tailEnd type="none" w="med" len="med"/>
-                    </a:lnB>
-                    <a:noFill/>
-                  </a:tcPr>
-                </a:tc>
-              </a:tr>
-              <a:tr h="1007577">
-                <a:tc>
-                  <a:txBody>
-                    <a:bodyPr/>
-                    <a:lstStyle/>
-                    <a:p>
-                      <a:pPr algn="l" fontAlgn="base"/>
-                      <a:r>
-                        <a:rPr lang="en-US" sz="1800" b="0" dirty="0">
-                          <a:latin typeface="Palatino Linotype" pitchFamily="18" charset="0"/>
-                        </a:rPr>
-                        <a:t>Natural Join joins two tables based on same attribute </a:t>
-                      </a:r>
-                      <a:r>
-                        <a:rPr lang="en-US" sz="1800" b="0" dirty="0" smtClean="0">
-                          <a:latin typeface="Palatino Linotype" pitchFamily="18" charset="0"/>
-                        </a:rPr>
-                        <a:t>name.</a:t>
-                      </a:r>
-                      <a:endParaRPr lang="en-US" sz="1800" b="0" dirty="0">
-                        <a:latin typeface="Palatino Linotype" pitchFamily="18" charset="0"/>
-                      </a:endParaRPr>
-                    </a:p>
-                  </a:txBody>
-                  <a:tcPr marL="89279" marR="89279" marT="44640" marB="44640" anchor="ctr">
-                    <a:lnL>
-                      <a:noFill/>
-                    </a:lnL>
-                    <a:lnR>
-                      <a:noFill/>
-                    </a:lnR>
-                    <a:lnT w="9525" cap="flat" cmpd="sng" algn="ctr">
-                      <a:solidFill>
-                        <a:srgbClr val="EDEDED"/>
-                      </a:solidFill>
-                      <a:prstDash val="solid"/>
-                      <a:round/>
-                      <a:headEnd type="none" w="med" len="med"/>
-                      <a:tailEnd type="none" w="med" len="med"/>
-                    </a:lnT>
-                    <a:lnB w="9525" cap="flat" cmpd="sng" algn="ctr">
-                      <a:solidFill>
-                        <a:srgbClr val="EDEDED"/>
-                      </a:solidFill>
-                      <a:prstDash val="solid"/>
-                      <a:round/>
-                      <a:headEnd type="none" w="med" len="med"/>
-                      <a:tailEnd type="none" w="med" len="med"/>
-                    </a:lnB>
-                    <a:solidFill>
-                      <a:srgbClr val="FFFFFF"/>
-                    </a:solidFill>
-                  </a:tcPr>
-                </a:tc>
-                <a:tc>
-                  <a:txBody>
-                    <a:bodyPr/>
-                    <a:lstStyle/>
-                    <a:p>
-                      <a:pPr algn="l" fontAlgn="base"/>
-                      <a:r>
-                        <a:rPr lang="en-US" sz="1800" b="0">
-                          <a:latin typeface="Palatino Linotype" pitchFamily="18" charset="0"/>
-                        </a:rPr>
-                        <a:t>Inner Join joins two table on the basis of the column which is explicitly specified in the ON clause.</a:t>
-                      </a:r>
-                    </a:p>
-                  </a:txBody>
-                  <a:tcPr marL="89279" marR="89279" marT="44640" marB="44640" anchor="ctr">
-                    <a:lnL>
-                      <a:noFill/>
-                    </a:lnL>
-                    <a:lnR>
-                      <a:noFill/>
-                    </a:lnR>
-                    <a:lnT w="9525" cap="flat" cmpd="sng" algn="ctr">
-                      <a:solidFill>
-                        <a:srgbClr val="EDEDED"/>
-                      </a:solidFill>
-                      <a:prstDash val="solid"/>
-                      <a:round/>
-                      <a:headEnd type="none" w="med" len="med"/>
-                      <a:tailEnd type="none" w="med" len="med"/>
-                    </a:lnT>
-                    <a:lnB w="9525" cap="flat" cmpd="sng" algn="ctr">
-                      <a:solidFill>
-                        <a:srgbClr val="EDEDED"/>
-                      </a:solidFill>
-                      <a:prstDash val="solid"/>
-                      <a:round/>
-                      <a:headEnd type="none" w="med" len="med"/>
-                      <a:tailEnd type="none" w="med" len="med"/>
-                    </a:lnB>
-                    <a:solidFill>
-                      <a:srgbClr val="FFFFFF"/>
-                    </a:solidFill>
-                  </a:tcPr>
-                </a:tc>
-              </a:tr>
-              <a:tr h="1374897">
-                <a:tc>
-                  <a:txBody>
-                    <a:bodyPr/>
-                    <a:lstStyle/>
-                    <a:p>
-                      <a:pPr algn="l" fontAlgn="base"/>
-                      <a:r>
-                        <a:rPr lang="en-US" sz="1800" b="0" dirty="0">
-                          <a:latin typeface="Palatino Linotype" pitchFamily="18" charset="0"/>
-                        </a:rPr>
-                        <a:t>In Natural Join, The resulting table will contain all the attributes of both the tables but keep only one copy of each common column</a:t>
-                      </a:r>
-                    </a:p>
-                  </a:txBody>
-                  <a:tcPr marL="89279" marR="89279" marT="44640" marB="44640" anchor="ctr">
-                    <a:lnL>
-                      <a:noFill/>
-                    </a:lnL>
-                    <a:lnR>
-                      <a:noFill/>
-                    </a:lnR>
-                    <a:lnT w="9525" cap="flat" cmpd="sng" algn="ctr">
-                      <a:solidFill>
-                        <a:srgbClr val="EDEDED"/>
-                      </a:solidFill>
-                      <a:prstDash val="solid"/>
-                      <a:round/>
-                      <a:headEnd type="none" w="med" len="med"/>
-                      <a:tailEnd type="none" w="med" len="med"/>
-                    </a:lnT>
-                    <a:lnB w="9525" cap="flat" cmpd="sng" algn="ctr">
-                      <a:solidFill>
-                        <a:srgbClr val="EDEDED"/>
-                      </a:solidFill>
-                      <a:prstDash val="solid"/>
-                      <a:round/>
-                      <a:headEnd type="none" w="med" len="med"/>
-                      <a:tailEnd type="none" w="med" len="med"/>
-                    </a:lnB>
-                    <a:solidFill>
-                      <a:srgbClr val="FFFFFF"/>
-                    </a:solidFill>
-                  </a:tcPr>
-                </a:tc>
-                <a:tc>
-                  <a:txBody>
-                    <a:bodyPr/>
-                    <a:lstStyle/>
-                    <a:p>
-                      <a:pPr algn="l" fontAlgn="base"/>
-                      <a:r>
-                        <a:rPr lang="en-US" sz="1800" b="0" dirty="0">
-                          <a:latin typeface="Palatino Linotype" pitchFamily="18" charset="0"/>
-                        </a:rPr>
-                        <a:t>In Inner Join, The resulting table will contain all the attribute of both the tables including duplicate columns also</a:t>
-                      </a:r>
-                    </a:p>
-                  </a:txBody>
-                  <a:tcPr marL="89279" marR="89279" marT="44640" marB="44640" anchor="ctr">
-                    <a:lnL>
-                      <a:noFill/>
-                    </a:lnL>
-                    <a:lnR>
-                      <a:noFill/>
-                    </a:lnR>
-                    <a:lnT w="9525" cap="flat" cmpd="sng" algn="ctr">
-                      <a:solidFill>
-                        <a:srgbClr val="EDEDED"/>
-                      </a:solidFill>
-                      <a:prstDash val="solid"/>
-                      <a:round/>
-                      <a:headEnd type="none" w="med" len="med"/>
-                      <a:tailEnd type="none" w="med" len="med"/>
-                    </a:lnT>
-                    <a:lnB w="9525" cap="flat" cmpd="sng" algn="ctr">
-                      <a:solidFill>
-                        <a:srgbClr val="EDEDED"/>
-                      </a:solidFill>
-                      <a:prstDash val="solid"/>
-                      <a:round/>
-                      <a:headEnd type="none" w="med" len="med"/>
-                      <a:tailEnd type="none" w="med" len="med"/>
-                    </a:lnB>
-                    <a:solidFill>
-                      <a:srgbClr val="FFFFFF"/>
-                    </a:solidFill>
-                  </a:tcPr>
-                </a:tc>
-              </a:tr>
-              <a:tr h="1191237">
-                <a:tc>
-                  <a:txBody>
-                    <a:bodyPr/>
-                    <a:lstStyle/>
-                    <a:p>
-                      <a:pPr algn="l" fontAlgn="base"/>
-                      <a:r>
-                        <a:rPr lang="en-US" sz="1800" b="0" dirty="0" smtClean="0">
-                          <a:latin typeface="Palatino Linotype" pitchFamily="18" charset="0"/>
-                        </a:rPr>
-                        <a:t>In Inner Join, only those records will return which exists in both the tables</a:t>
-                      </a:r>
-                      <a:endParaRPr lang="en-US" sz="1800" b="0" dirty="0">
-                        <a:latin typeface="Palatino Linotype" pitchFamily="18" charset="0"/>
-                      </a:endParaRPr>
-                    </a:p>
-                  </a:txBody>
-                  <a:tcPr marL="89279" marR="89279" marT="44640" marB="44640" anchor="ctr">
-                    <a:lnL>
-                      <a:noFill/>
-                    </a:lnL>
-                    <a:lnR>
-                      <a:noFill/>
-                    </a:lnR>
-                    <a:lnT w="9525" cap="flat" cmpd="sng" algn="ctr">
-                      <a:solidFill>
-                        <a:srgbClr val="EDEDED"/>
-                      </a:solidFill>
-                      <a:prstDash val="solid"/>
-                      <a:round/>
-                      <a:headEnd type="none" w="med" len="med"/>
-                      <a:tailEnd type="none" w="med" len="med"/>
-                    </a:lnT>
-                    <a:lnB w="9525" cap="flat" cmpd="sng" algn="ctr">
-                      <a:solidFill>
-                        <a:srgbClr val="EDEDED"/>
-                      </a:solidFill>
-                      <a:prstDash val="solid"/>
-                      <a:round/>
-                      <a:headEnd type="none" w="med" len="med"/>
-                      <a:tailEnd type="none" w="med" len="med"/>
-                    </a:lnB>
-                    <a:solidFill>
-                      <a:srgbClr val="FFFFFF"/>
-                    </a:solidFill>
-                  </a:tcPr>
-                </a:tc>
-                <a:tc>
-                  <a:txBody>
-                    <a:bodyPr/>
-                    <a:lstStyle/>
-                    <a:p>
-                      <a:pPr algn="l" fontAlgn="base"/>
-                      <a:r>
-                        <a:rPr lang="en-US" sz="1800" b="0" dirty="0" smtClean="0">
-                          <a:latin typeface="Palatino Linotype" pitchFamily="18" charset="0"/>
-                        </a:rPr>
-                        <a:t>In Inner Join, only those records will return which exists in both the tables</a:t>
-                      </a:r>
-                      <a:endParaRPr lang="en-US" sz="1800" b="0" dirty="0">
-                        <a:latin typeface="Palatino Linotype" pitchFamily="18" charset="0"/>
-                      </a:endParaRPr>
-                    </a:p>
-                  </a:txBody>
-                  <a:tcPr marL="89279" marR="89279" marT="44640" marB="44640" anchor="ctr">
-                    <a:lnL>
-                      <a:noFill/>
-                    </a:lnL>
-                    <a:lnR>
-                      <a:noFill/>
-                    </a:lnR>
-                    <a:lnT w="9525" cap="flat" cmpd="sng" algn="ctr">
-                      <a:solidFill>
-                        <a:srgbClr val="EDEDED"/>
-                      </a:solidFill>
-                      <a:prstDash val="solid"/>
-                      <a:round/>
-                      <a:headEnd type="none" w="med" len="med"/>
-                      <a:tailEnd type="none" w="med" len="med"/>
-                    </a:lnT>
-                    <a:lnB w="9525" cap="flat" cmpd="sng" algn="ctr">
-                      <a:solidFill>
-                        <a:srgbClr val="EDEDED"/>
-                      </a:solidFill>
-                      <a:prstDash val="solid"/>
-                      <a:round/>
-                      <a:headEnd type="none" w="med" len="med"/>
-                      <a:tailEnd type="none" w="med" len="med"/>
-                    </a:lnB>
-                    <a:solidFill>
-                      <a:srgbClr val="FFFFFF"/>
-                    </a:solidFill>
-                  </a:tcPr>
-                </a:tc>
-              </a:tr>
-              <a:tr h="1558556">
-                <a:tc>
-                  <a:txBody>
-                    <a:bodyPr/>
-                    <a:lstStyle/>
-                    <a:p>
-                      <a:pPr algn="l" fontAlgn="base"/>
-                      <a:r>
-                        <a:rPr lang="en-US" sz="1800" b="0">
-                          <a:latin typeface="Palatino Linotype" pitchFamily="18" charset="0"/>
-                        </a:rPr>
-                        <a:t>SYNTAX:</a:t>
-                      </a:r>
-                      <a:br>
-                        <a:rPr lang="en-US" sz="1800" b="0">
-                          <a:latin typeface="Palatino Linotype" pitchFamily="18" charset="0"/>
-                        </a:rPr>
-                      </a:br>
-                      <a:r>
-                        <a:rPr lang="en-US" sz="1800" b="0">
-                          <a:latin typeface="Palatino Linotype" pitchFamily="18" charset="0"/>
-                        </a:rPr>
-                        <a:t>SELECT *</a:t>
-                      </a:r>
-                      <a:br>
-                        <a:rPr lang="en-US" sz="1800" b="0">
-                          <a:latin typeface="Palatino Linotype" pitchFamily="18" charset="0"/>
-                        </a:rPr>
-                      </a:br>
-                      <a:r>
-                        <a:rPr lang="en-US" sz="1800" b="0">
-                          <a:latin typeface="Palatino Linotype" pitchFamily="18" charset="0"/>
-                        </a:rPr>
-                        <a:t>FROM table1 NATURAL JOIN table2;</a:t>
-                      </a:r>
-                    </a:p>
-                  </a:txBody>
-                  <a:tcPr marL="89279" marR="89279" marT="44640" marB="44640" anchor="ctr">
-                    <a:lnL>
-                      <a:noFill/>
-                    </a:lnL>
-                    <a:lnR>
-                      <a:noFill/>
-                    </a:lnR>
-                    <a:lnT w="9525" cap="flat" cmpd="sng" algn="ctr">
-                      <a:solidFill>
-                        <a:srgbClr val="EDEDED"/>
-                      </a:solidFill>
-                      <a:prstDash val="solid"/>
-                      <a:round/>
-                      <a:headEnd type="none" w="med" len="med"/>
-                      <a:tailEnd type="none" w="med" len="med"/>
-                    </a:lnT>
-                    <a:lnB>
-                      <a:noFill/>
-                    </a:lnB>
-                    <a:solidFill>
-                      <a:srgbClr val="FFFFFF"/>
-                    </a:solidFill>
-                  </a:tcPr>
-                </a:tc>
-                <a:tc>
-                  <a:txBody>
-                    <a:bodyPr/>
-                    <a:lstStyle/>
-                    <a:p>
-                      <a:pPr algn="l" fontAlgn="base"/>
-                      <a:r>
-                        <a:rPr lang="en-US" sz="1800" b="0" dirty="0">
-                          <a:latin typeface="Palatino Linotype" pitchFamily="18" charset="0"/>
-                        </a:rPr>
-                        <a:t>SYNTAX:</a:t>
-                      </a:r>
-                      <a:br>
-                        <a:rPr lang="en-US" sz="1800" b="0" dirty="0">
-                          <a:latin typeface="Palatino Linotype" pitchFamily="18" charset="0"/>
-                        </a:rPr>
-                      </a:br>
-                      <a:r>
-                        <a:rPr lang="en-US" sz="1800" b="0" dirty="0">
-                          <a:latin typeface="Palatino Linotype" pitchFamily="18" charset="0"/>
-                        </a:rPr>
-                        <a:t>SELECT *</a:t>
-                      </a:r>
-                      <a:br>
-                        <a:rPr lang="en-US" sz="1800" b="0" dirty="0">
-                          <a:latin typeface="Palatino Linotype" pitchFamily="18" charset="0"/>
-                        </a:rPr>
-                      </a:br>
-                      <a:r>
-                        <a:rPr lang="en-US" sz="1800" b="0" dirty="0">
-                          <a:latin typeface="Palatino Linotype" pitchFamily="18" charset="0"/>
-                        </a:rPr>
-                        <a:t>FROM table1 INNER JOIN table2 ON table1.Column_Name = table2.Column_Name;</a:t>
-                      </a:r>
-                    </a:p>
-                  </a:txBody>
-                  <a:tcPr marL="89279" marR="89279" marT="44640" marB="44640" anchor="ctr">
-                    <a:lnL>
-                      <a:noFill/>
-                    </a:lnL>
-                    <a:lnR>
-                      <a:noFill/>
-                    </a:lnR>
-                    <a:lnT w="9525" cap="flat" cmpd="sng" algn="ctr">
-                      <a:solidFill>
-                        <a:srgbClr val="EDEDED"/>
-                      </a:solidFill>
-                      <a:prstDash val="solid"/>
-                      <a:round/>
-                      <a:headEnd type="none" w="med" len="med"/>
-                      <a:tailEnd type="none" w="med" len="med"/>
-                    </a:lnT>
-                    <a:lnB>
-                      <a:noFill/>
-                    </a:lnB>
-                    <a:solidFill>
-                      <a:srgbClr val="FFFFFF"/>
-                    </a:solidFill>
-                  </a:tcPr>
-                </a:tc>
-              </a:tr>
-            </a:tbl>
-          </a:graphicData>
-        </a:graphic>
-      </p:graphicFrame>
-    </p:spTree>
-    <p:extLst>
-      <p:ext uri="{BB962C8B-B14F-4D97-AF65-F5344CB8AC3E}">
-        <p14:creationId xmlns="" xmlns:p14="http://schemas.microsoft.com/office/powerpoint/2010/main" val="3160401395"/>
-      </p:ext>
-    </p:extLst>
-  </p:cSld>
-  <p:clrMapOvr>
-    <a:masterClrMapping/>
-  </p:clrMapOvr>
-  <p:timing>
-    <p:tnLst>
-      <p:par>
-        <p:cTn id="1" dur="indefinite" restart="never" nodeType="tmRoot"/>
-      </p:par>
-    </p:tnLst>
-  </p:timing>
-</p:sld>
-</file>
-
-<file path=ppt/slides/slide4.xml><?xml version="1.0" encoding="utf-8"?>
-<p:sld xmlns:a="http://schemas.openxmlformats.org/drawingml/2006/main" xmlns:r="http://schemas.openxmlformats.org/officeDocument/2006/relationships" xmlns:p="http://schemas.openxmlformats.org/presentationml/2006/main">
-  <p:cSld>
-    <p:spTree>
-      <p:nvGrpSpPr>
-        <p:cNvPr id="1" name=""/>
-        <p:cNvGrpSpPr/>
-        <p:nvPr/>
-      </p:nvGrpSpPr>
-      <p:grpSpPr>
-        <a:xfrm>
-          <a:off x="0" y="0"/>
-          <a:ext cx="0" cy="0"/>
-          <a:chOff x="0" y="0"/>
-          <a:chExt cx="0" cy="0"/>
-        </a:xfrm>
-      </p:grpSpPr>
-      <p:sp>
-        <p:nvSpPr>
-          <p:cNvPr id="4" name="Rectangle 3"/>
+          <p:cNvPr id="9" name="Rectangle 8"/>
           <p:cNvSpPr/>
           <p:nvPr/>
         </p:nvSpPr>
         <p:spPr>
           <a:xfrm>
-            <a:off x="1523802" y="2"/>
-            <a:ext cx="9142810" cy="584775"/>
-          </a:xfrm>
-          <a:prstGeom prst="rect">
-            <a:avLst/>
-          </a:prstGeom>
-          <a:solidFill>
-            <a:schemeClr val="bg1"/>
-          </a:solidFill>
-        </p:spPr>
-        <p:txBody>
-          <a:bodyPr wrap="square">
+            <a:off x="406574" y="836712"/>
+            <a:ext cx="851515" cy="369332"/>
+          </a:xfrm>
+          <a:prstGeom prst="rect">
+            <a:avLst/>
+          </a:prstGeom>
+        </p:spPr>
+        <p:txBody>
+          <a:bodyPr wrap="none">
             <a:spAutoFit/>
           </a:bodyPr>
           <a:lstStyle/>
           <a:p>
-            <a:pPr algn="r"/>
-            <a:r>
-              <a:rPr lang="en-US" sz="3200" b="1" i="1" dirty="0" smtClean="0">
-                <a:latin typeface="Arial" pitchFamily="34" charset="0"/>
-                <a:cs typeface="Arial" pitchFamily="34" charset="0"/>
-              </a:rPr>
-              <a:t>equi </a:t>
-            </a:r>
-            <a:r>
-              <a:rPr lang="en-US" sz="3200" b="1" i="1" dirty="0">
-                <a:latin typeface="Arial" pitchFamily="34" charset="0"/>
-                <a:cs typeface="Arial" pitchFamily="34" charset="0"/>
-              </a:rPr>
-              <a:t>join</a:t>
-            </a:r>
-            <a:endParaRPr lang="en-IN" sz="3200" b="1" i="1" dirty="0">
-              <a:latin typeface="Arial" pitchFamily="34" charset="0"/>
-              <a:cs typeface="Arial" pitchFamily="34" charset="0"/>
-            </a:endParaRPr>
-          </a:p>
-        </p:txBody>
-      </p:sp>
-      <p:sp>
-        <p:nvSpPr>
-          <p:cNvPr id="7" name="Rectangle 6"/>
-          <p:cNvSpPr/>
-          <p:nvPr/>
-        </p:nvSpPr>
-        <p:spPr>
-          <a:xfrm>
-            <a:off x="406574" y="1208946"/>
-            <a:ext cx="11444604" cy="707886"/>
-          </a:xfrm>
-          <a:prstGeom prst="rect">
-            <a:avLst/>
-          </a:prstGeom>
-        </p:spPr>
-        <p:txBody>
-          <a:bodyPr wrap="square">
-            <a:spAutoFit/>
-          </a:bodyPr>
-          <a:lstStyle/>
-          <a:p>
-            <a:r>
-              <a:rPr lang="en-US" sz="2000" dirty="0">
+            <a:r>
+              <a:rPr lang="en-US" dirty="0" smtClean="0">
                 <a:latin typeface="Liberation Mono"/>
               </a:rPr>
-              <a:t>SELECT column-list from &lt;table_references&gt;, &lt;table_references&gt; WHERE table1.column-name = table2.column-name</a:t>
-            </a:r>
-          </a:p>
-        </p:txBody>
-      </p:sp>
-      <p:sp>
-        <p:nvSpPr>
-          <p:cNvPr id="3" name="Rectangle 2"/>
-          <p:cNvSpPr/>
-          <p:nvPr/>
-        </p:nvSpPr>
-        <p:spPr>
-          <a:xfrm>
-            <a:off x="202398" y="2204864"/>
-            <a:ext cx="11444604" cy="646331"/>
-          </a:xfrm>
-          <a:prstGeom prst="rect">
-            <a:avLst/>
-          </a:prstGeom>
-        </p:spPr>
-        <p:txBody>
-          <a:bodyPr wrap="square">
-            <a:spAutoFit/>
-          </a:bodyPr>
-          <a:lstStyle/>
-          <a:p>
-            <a:pPr marL="285750" indent="-285750">
-              <a:buFont typeface="Arial" panose="020B0604020202020204" pitchFamily="34" charset="0"/>
-              <a:buChar char="•"/>
-            </a:pPr>
-            <a:r>
-              <a:rPr lang="en-US" dirty="0">
-                <a:latin typeface="Arial" panose="020B0604020202020204" pitchFamily="34" charset="0"/>
-                <a:ea typeface="Times New Roman" panose="02020603050405020304" pitchFamily="18" charset="0"/>
-                <a:cs typeface="Arial" panose="020B0604020202020204" pitchFamily="34" charset="0"/>
-              </a:rPr>
-              <a:t>SELECT</a:t>
-            </a:r>
-            <a:r>
-              <a:rPr lang="en-US" dirty="0">
-                <a:latin typeface="Arial" panose="020B0604020202020204" pitchFamily="34" charset="0"/>
-                <a:cs typeface="Arial" panose="020B0604020202020204" pitchFamily="34" charset="0"/>
-              </a:rPr>
-              <a:t> </a:t>
-            </a:r>
-            <a:r>
-              <a:rPr lang="en-US" dirty="0" smtClean="0">
-                <a:latin typeface="Arial" panose="020B0604020202020204" pitchFamily="34" charset="0"/>
-                <a:cs typeface="Arial" panose="020B0604020202020204" pitchFamily="34" charset="0"/>
-              </a:rPr>
-              <a:t>s.ID, s.nameFirst,s.nameLast, a.address </a:t>
-            </a:r>
-            <a:r>
-              <a:rPr lang="en-US" dirty="0">
-                <a:latin typeface="Arial" panose="020B0604020202020204" pitchFamily="34" charset="0"/>
-                <a:ea typeface="Times New Roman" panose="02020603050405020304" pitchFamily="18" charset="0"/>
-                <a:cs typeface="Arial" panose="020B0604020202020204" pitchFamily="34" charset="0"/>
-              </a:rPr>
-              <a:t>FROM</a:t>
-            </a:r>
-            <a:r>
-              <a:rPr lang="en-US" dirty="0">
-                <a:latin typeface="Arial" panose="020B0604020202020204" pitchFamily="34" charset="0"/>
-                <a:cs typeface="Arial" panose="020B0604020202020204" pitchFamily="34" charset="0"/>
-              </a:rPr>
-              <a:t> </a:t>
-            </a:r>
-            <a:r>
-              <a:rPr lang="en-IN" dirty="0">
-                <a:latin typeface="Arial" panose="020B0604020202020204" pitchFamily="34" charset="0"/>
-              </a:rPr>
-              <a:t>student s</a:t>
-            </a:r>
-            <a:r>
-              <a:rPr lang="en-US" dirty="0">
-                <a:latin typeface="Arial" panose="020B0604020202020204" pitchFamily="34" charset="0"/>
-                <a:cs typeface="Arial" panose="020B0604020202020204" pitchFamily="34" charset="0"/>
-              </a:rPr>
-              <a:t>, </a:t>
-            </a:r>
-            <a:r>
-              <a:rPr lang="en-IN" dirty="0">
-                <a:latin typeface="Arial" panose="020B0604020202020204" pitchFamily="34" charset="0"/>
-              </a:rPr>
-              <a:t>student_</a:t>
-            </a:r>
-            <a:r>
-              <a:rPr lang="en-US" dirty="0">
-                <a:latin typeface="Arial" panose="020B0604020202020204" pitchFamily="34" charset="0"/>
-                <a:cs typeface="Arial" panose="020B0604020202020204" pitchFamily="34" charset="0"/>
-              </a:rPr>
-              <a:t>address a </a:t>
-            </a:r>
-            <a:r>
-              <a:rPr lang="en-US" dirty="0">
-                <a:latin typeface="Arial" panose="020B0604020202020204" pitchFamily="34" charset="0"/>
-              </a:rPr>
-              <a:t>WHERE</a:t>
-            </a:r>
-            <a:r>
-              <a:rPr lang="en-US" dirty="0">
-                <a:latin typeface="Arial" panose="020B0604020202020204" pitchFamily="34" charset="0"/>
-                <a:cs typeface="Arial" panose="020B0604020202020204" pitchFamily="34" charset="0"/>
-              </a:rPr>
-              <a:t> s.ID = a.</a:t>
-            </a:r>
-            <a:r>
-              <a:rPr lang="en-IN" dirty="0">
-                <a:latin typeface="Arial" panose="020B0604020202020204" pitchFamily="34" charset="0"/>
-              </a:rPr>
-              <a:t>studentID</a:t>
-            </a:r>
-            <a:r>
-              <a:rPr lang="en-US" dirty="0">
-                <a:latin typeface="Arial" panose="020B0604020202020204" pitchFamily="34" charset="0"/>
-                <a:cs typeface="Arial" panose="020B0604020202020204" pitchFamily="34" charset="0"/>
-              </a:rPr>
-              <a:t>;</a:t>
-            </a:r>
-          </a:p>
-        </p:txBody>
-      </p:sp>
-      <p:pic>
-        <p:nvPicPr>
-          <p:cNvPr id="8" name="Picture 7">
-            <a:extLst>
-              <a:ext uri="{FF2B5EF4-FFF2-40B4-BE49-F238E27FC236}">
-                <a16:creationId xmlns="" xmlns:a16="http://schemas.microsoft.com/office/drawing/2014/main" id="{FEA8C22B-921E-481F-8797-57B673F1241B}"/>
-              </a:ext>
-            </a:extLst>
-          </p:cNvPr>
-          <p:cNvPicPr>
-            <a:picLocks noChangeAspect="1"/>
-          </p:cNvPicPr>
-          <p:nvPr/>
-        </p:nvPicPr>
-        <p:blipFill>
-          <a:blip r:embed="rId2" cstate="print">
-            <a:extLst>
-              <a:ext uri="{28A0092B-C50C-407E-A947-70E740481C1C}">
-                <a14:useLocalDpi xmlns="" xmlns:a14="http://schemas.microsoft.com/office/drawing/2010/main" val="0"/>
-              </a:ext>
-            </a:extLst>
-          </a:blip>
-          <a:stretch>
-            <a:fillRect/>
-          </a:stretch>
-        </p:blipFill>
-        <p:spPr>
-          <a:xfrm>
-            <a:off x="118542" y="116632"/>
-            <a:ext cx="1371859" cy="445150"/>
-          </a:xfrm>
-          <a:prstGeom prst="rect">
-            <a:avLst/>
-          </a:prstGeom>
-        </p:spPr>
-      </p:pic>
+              <a:t>syntex</a:t>
+            </a:r>
+            <a:endParaRPr lang="en-US" dirty="0"/>
+          </a:p>
+        </p:txBody>
+      </p:sp>
       <p:pic>
         <p:nvPicPr>
           <p:cNvPr id="1026" name="Picture 2"/>
@@ -6888,7 +4943,7 @@
           <p:nvPr/>
         </p:nvPicPr>
         <p:blipFill>
-          <a:blip r:embed="rId3" cstate="print"/>
+          <a:blip r:embed="rId3"/>
           <a:srcRect/>
           <a:stretch>
             <a:fillRect/>
@@ -6896,8 +4951,8 @@
         </p:blipFill>
         <p:spPr bwMode="auto">
           <a:xfrm>
-            <a:off x="334566" y="3025988"/>
-            <a:ext cx="11474172" cy="3168352"/>
+            <a:off x="523042" y="3057193"/>
+            <a:ext cx="6000792" cy="3372203"/>
           </a:xfrm>
           <a:prstGeom prst="rect">
             <a:avLst/>
@@ -6909,43 +4964,13 @@
             <a:headEnd/>
             <a:tailEnd/>
           </a:ln>
+          <a:effectLst/>
         </p:spPr>
       </p:pic>
-      <p:sp>
-        <p:nvSpPr>
-          <p:cNvPr id="9" name="Rectangle 8"/>
-          <p:cNvSpPr/>
-          <p:nvPr/>
-        </p:nvSpPr>
-        <p:spPr>
-          <a:xfrm>
-            <a:off x="406574" y="836712"/>
-            <a:ext cx="851515" cy="369332"/>
-          </a:xfrm>
-          <a:prstGeom prst="rect">
-            <a:avLst/>
-          </a:prstGeom>
-        </p:spPr>
-        <p:txBody>
-          <a:bodyPr wrap="none">
-            <a:spAutoFit/>
-          </a:bodyPr>
-          <a:lstStyle/>
-          <a:p>
-            <a:r>
-              <a:rPr lang="en-US" dirty="0" smtClean="0">
-                <a:latin typeface="Liberation Mono"/>
-              </a:rPr>
-              <a:t>syntex</a:t>
-            </a:r>
-            <a:endParaRPr lang="en-US" dirty="0"/>
-          </a:p>
-        </p:txBody>
-      </p:sp>
     </p:spTree>
     <p:extLst>
       <p:ext uri="{BB962C8B-B14F-4D97-AF65-F5344CB8AC3E}">
-        <p14:creationId xmlns="" xmlns:p14="http://schemas.microsoft.com/office/powerpoint/2010/main" val="1816086968"/>
+        <p14:creationId xmlns:p14="http://schemas.microsoft.com/office/powerpoint/2010/main" xmlns="" val="1816086968"/>
       </p:ext>
     </p:extLst>
   </p:cSld>
@@ -6999,33 +5024,6 @@
                                   </p:childTnLst>
                                 </p:cTn>
                               </p:par>
-                              <p:par>
-                                <p:cTn id="7" presetID="1" presetClass="entr" presetSubtype="0" fill="hold" nodeType="withEffect">
-                                  <p:stCondLst>
-                                    <p:cond delay="0"/>
-                                  </p:stCondLst>
-                                  <p:childTnLst>
-                                    <p:set>
-                                      <p:cBhvr>
-                                        <p:cTn id="8" dur="1" fill="hold">
-                                          <p:stCondLst>
-                                            <p:cond delay="0"/>
-                                          </p:stCondLst>
-                                        </p:cTn>
-                                        <p:tgtEl>
-                                          <p:spTgt spid="1026"/>
-                                        </p:tgtEl>
-                                        <p:attrNameLst>
-                                          <p:attrName>style.visibility</p:attrName>
-                                        </p:attrNameLst>
-                                      </p:cBhvr>
-                                      <p:to>
-                                        <p:strVal val="visible"/>
-                                      </p:to>
-                                    </p:set>
-                                  </p:childTnLst>
-                                </p:cTn>
-                              </p:par>
                             </p:childTnLst>
                           </p:cTn>
                         </p:par>
@@ -7055,462 +5053,6 @@
     </p:tnLst>
     <p:bldLst>
       <p:bldP spid="3" grpId="0"/>
-    </p:bldLst>
-  </p:timing>
-</p:sld>
-</file>
-
-<file path=ppt/slides/slide5.xml><?xml version="1.0" encoding="utf-8"?>
-<p:sld xmlns:a="http://schemas.openxmlformats.org/drawingml/2006/main" xmlns:r="http://schemas.openxmlformats.org/officeDocument/2006/relationships" xmlns:p="http://schemas.openxmlformats.org/presentationml/2006/main">
-  <p:cSld>
-    <p:spTree>
-      <p:nvGrpSpPr>
-        <p:cNvPr id="1" name=""/>
-        <p:cNvGrpSpPr/>
-        <p:nvPr/>
-      </p:nvGrpSpPr>
-      <p:grpSpPr>
-        <a:xfrm>
-          <a:off x="0" y="0"/>
-          <a:ext cx="0" cy="0"/>
-          <a:chOff x="0" y="0"/>
-          <a:chExt cx="0" cy="0"/>
-        </a:xfrm>
-      </p:grpSpPr>
-      <p:sp>
-        <p:nvSpPr>
-          <p:cNvPr id="7" name="Rectangle 6"/>
-          <p:cNvSpPr/>
-          <p:nvPr/>
-        </p:nvSpPr>
-        <p:spPr>
-          <a:xfrm>
-            <a:off x="406574" y="1196752"/>
-            <a:ext cx="11233030" cy="707886"/>
-          </a:xfrm>
-          <a:prstGeom prst="rect">
-            <a:avLst/>
-          </a:prstGeom>
-        </p:spPr>
-        <p:txBody>
-          <a:bodyPr wrap="square">
-            <a:spAutoFit/>
-          </a:bodyPr>
-          <a:lstStyle/>
-          <a:p>
-            <a:r>
-              <a:rPr lang="en-US" sz="2000" dirty="0">
-                <a:latin typeface="Liberation Mono"/>
-              </a:rPr>
-              <a:t>SELECT column-list from &lt;table_references</a:t>
-            </a:r>
-            <a:r>
-              <a:rPr lang="en-US" sz="2000" dirty="0">
-                <a:uFill>
-                  <a:solidFill>
-                    <a:srgbClr val="FF0000"/>
-                  </a:solidFill>
-                </a:uFill>
-                <a:latin typeface="Liberation Mono"/>
-              </a:rPr>
-              <a:t>&gt; </a:t>
-            </a:r>
-            <a:r>
-              <a:rPr lang="en-US" sz="2000" dirty="0">
-                <a:latin typeface="Liberation Mono"/>
-              </a:rPr>
-              <a:t>[INNER] JOIN &lt;table_references&gt; ON table1.column-name = table2.column-name</a:t>
-            </a:r>
-          </a:p>
-        </p:txBody>
-      </p:sp>
-      <p:pic>
-        <p:nvPicPr>
-          <p:cNvPr id="8" name="Picture 7">
-            <a:extLst>
-              <a:ext uri="{FF2B5EF4-FFF2-40B4-BE49-F238E27FC236}">
-                <a16:creationId xmlns="" xmlns:a16="http://schemas.microsoft.com/office/drawing/2014/main" id="{0F9CE1C2-C3EE-4C9B-8F08-A833D4695BFA}"/>
-              </a:ext>
-            </a:extLst>
-          </p:cNvPr>
-          <p:cNvPicPr>
-            <a:picLocks noChangeAspect="1"/>
-          </p:cNvPicPr>
-          <p:nvPr/>
-        </p:nvPicPr>
-        <p:blipFill>
-          <a:blip r:embed="rId3" cstate="print">
-            <a:extLst>
-              <a:ext uri="{28A0092B-C50C-407E-A947-70E740481C1C}">
-                <a14:useLocalDpi xmlns="" xmlns:a14="http://schemas.microsoft.com/office/drawing/2010/main" val="0"/>
-              </a:ext>
-            </a:extLst>
-          </a:blip>
-          <a:stretch>
-            <a:fillRect/>
-          </a:stretch>
-        </p:blipFill>
-        <p:spPr>
-          <a:xfrm>
-            <a:off x="118542" y="116632"/>
-            <a:ext cx="1371859" cy="445150"/>
-          </a:xfrm>
-          <a:prstGeom prst="rect">
-            <a:avLst/>
-          </a:prstGeom>
-        </p:spPr>
-      </p:pic>
-      <p:sp>
-        <p:nvSpPr>
-          <p:cNvPr id="9" name="Rectangle 8"/>
-          <p:cNvSpPr/>
-          <p:nvPr/>
-        </p:nvSpPr>
-        <p:spPr>
-          <a:xfrm>
-            <a:off x="1523802" y="2"/>
-            <a:ext cx="9142810" cy="584775"/>
-          </a:xfrm>
-          <a:prstGeom prst="rect">
-            <a:avLst/>
-          </a:prstGeom>
-          <a:solidFill>
-            <a:schemeClr val="bg1"/>
-          </a:solidFill>
-        </p:spPr>
-        <p:txBody>
-          <a:bodyPr wrap="square">
-            <a:spAutoFit/>
-          </a:bodyPr>
-          <a:lstStyle/>
-          <a:p>
-            <a:pPr algn="r"/>
-            <a:r>
-              <a:rPr lang="en-US" sz="3200" b="1" i="1" dirty="0" smtClean="0">
-                <a:latin typeface="Arial" pitchFamily="34" charset="0"/>
-                <a:cs typeface="Arial" pitchFamily="34" charset="0"/>
-              </a:rPr>
-              <a:t>inner join</a:t>
-            </a:r>
-            <a:endParaRPr lang="en-IN" sz="3200" b="1" i="1" dirty="0">
-              <a:latin typeface="Arial" pitchFamily="34" charset="0"/>
-              <a:cs typeface="Arial" pitchFamily="34" charset="0"/>
-            </a:endParaRPr>
-          </a:p>
-        </p:txBody>
-      </p:sp>
-      <p:sp>
-        <p:nvSpPr>
-          <p:cNvPr id="13" name="Rectangle 12"/>
-          <p:cNvSpPr/>
-          <p:nvPr/>
-        </p:nvSpPr>
-        <p:spPr>
-          <a:xfrm>
-            <a:off x="406574" y="836712"/>
-            <a:ext cx="851515" cy="369332"/>
-          </a:xfrm>
-          <a:prstGeom prst="rect">
-            <a:avLst/>
-          </a:prstGeom>
-        </p:spPr>
-        <p:txBody>
-          <a:bodyPr wrap="none">
-            <a:spAutoFit/>
-          </a:bodyPr>
-          <a:lstStyle/>
-          <a:p>
-            <a:r>
-              <a:rPr lang="en-US" dirty="0" smtClean="0">
-                <a:latin typeface="Liberation Mono"/>
-              </a:rPr>
-              <a:t>syntex</a:t>
-            </a:r>
-            <a:endParaRPr lang="en-US" dirty="0"/>
-          </a:p>
-        </p:txBody>
-      </p:sp>
-      <p:sp>
-        <p:nvSpPr>
-          <p:cNvPr id="14" name="Rectangle 13"/>
-          <p:cNvSpPr/>
-          <p:nvPr/>
-        </p:nvSpPr>
-        <p:spPr>
-          <a:xfrm>
-            <a:off x="202398" y="2204864"/>
-            <a:ext cx="11444604" cy="646331"/>
-          </a:xfrm>
-          <a:prstGeom prst="rect">
-            <a:avLst/>
-          </a:prstGeom>
-        </p:spPr>
-        <p:txBody>
-          <a:bodyPr wrap="square">
-            <a:spAutoFit/>
-          </a:bodyPr>
-          <a:lstStyle/>
-          <a:p>
-            <a:pPr marL="285750" indent="-285750">
-              <a:buFont typeface="Arial" panose="020B0604020202020204" pitchFamily="34" charset="0"/>
-              <a:buChar char="•"/>
-            </a:pPr>
-            <a:r>
-              <a:rPr lang="en-US" dirty="0">
-                <a:latin typeface="Arial" panose="020B0604020202020204" pitchFamily="34" charset="0"/>
-                <a:ea typeface="Times New Roman" panose="02020603050405020304" pitchFamily="18" charset="0"/>
-                <a:cs typeface="Arial" panose="020B0604020202020204" pitchFamily="34" charset="0"/>
-              </a:rPr>
-              <a:t>SELECT</a:t>
-            </a:r>
-            <a:r>
-              <a:rPr lang="en-US" dirty="0">
-                <a:latin typeface="Arial" panose="020B0604020202020204" pitchFamily="34" charset="0"/>
-                <a:cs typeface="Arial" panose="020B0604020202020204" pitchFamily="34" charset="0"/>
-              </a:rPr>
-              <a:t> </a:t>
-            </a:r>
-            <a:r>
-              <a:rPr lang="en-US" dirty="0" smtClean="0">
-                <a:latin typeface="Arial" panose="020B0604020202020204" pitchFamily="34" charset="0"/>
-                <a:cs typeface="Arial" panose="020B0604020202020204" pitchFamily="34" charset="0"/>
-              </a:rPr>
-              <a:t>s.ID, s.nameFirst,s.nameLast, a.address </a:t>
-            </a:r>
-            <a:r>
-              <a:rPr lang="en-US" dirty="0">
-                <a:latin typeface="Arial" panose="020B0604020202020204" pitchFamily="34" charset="0"/>
-                <a:ea typeface="Times New Roman" panose="02020603050405020304" pitchFamily="18" charset="0"/>
-                <a:cs typeface="Arial" panose="020B0604020202020204" pitchFamily="34" charset="0"/>
-              </a:rPr>
-              <a:t>FROM</a:t>
-            </a:r>
-            <a:r>
-              <a:rPr lang="en-US" dirty="0">
-                <a:latin typeface="Arial" panose="020B0604020202020204" pitchFamily="34" charset="0"/>
-                <a:cs typeface="Arial" panose="020B0604020202020204" pitchFamily="34" charset="0"/>
-              </a:rPr>
-              <a:t> </a:t>
-            </a:r>
-            <a:r>
-              <a:rPr lang="en-IN" dirty="0">
-                <a:latin typeface="Arial" panose="020B0604020202020204" pitchFamily="34" charset="0"/>
-              </a:rPr>
-              <a:t>student </a:t>
-            </a:r>
-            <a:r>
-              <a:rPr lang="en-IN" dirty="0" smtClean="0">
-                <a:latin typeface="Arial" panose="020B0604020202020204" pitchFamily="34" charset="0"/>
-              </a:rPr>
-              <a:t>s </a:t>
-            </a:r>
-            <a:r>
-              <a:rPr lang="en-IN" b="1" dirty="0" smtClean="0">
-                <a:latin typeface="Arial" panose="020B0604020202020204" pitchFamily="34" charset="0"/>
-              </a:rPr>
-              <a:t>INNER JOIN</a:t>
-            </a:r>
-            <a:r>
-              <a:rPr lang="en-US" dirty="0" smtClean="0">
-                <a:latin typeface="Arial" panose="020B0604020202020204" pitchFamily="34" charset="0"/>
-                <a:cs typeface="Arial" panose="020B0604020202020204" pitchFamily="34" charset="0"/>
-              </a:rPr>
-              <a:t> </a:t>
-            </a:r>
-            <a:r>
-              <a:rPr lang="en-IN" dirty="0">
-                <a:latin typeface="Arial" panose="020B0604020202020204" pitchFamily="34" charset="0"/>
-              </a:rPr>
-              <a:t>student_</a:t>
-            </a:r>
-            <a:r>
-              <a:rPr lang="en-US" dirty="0">
-                <a:latin typeface="Arial" panose="020B0604020202020204" pitchFamily="34" charset="0"/>
-                <a:cs typeface="Arial" panose="020B0604020202020204" pitchFamily="34" charset="0"/>
-              </a:rPr>
-              <a:t>address a </a:t>
-            </a:r>
-            <a:r>
-              <a:rPr lang="en-US" b="1" dirty="0" smtClean="0">
-                <a:latin typeface="Arial" panose="020B0604020202020204" pitchFamily="34" charset="0"/>
-              </a:rPr>
-              <a:t>ON</a:t>
-            </a:r>
-            <a:r>
-              <a:rPr lang="en-US" dirty="0" smtClean="0">
-                <a:latin typeface="Arial" panose="020B0604020202020204" pitchFamily="34" charset="0"/>
-                <a:cs typeface="Arial" panose="020B0604020202020204" pitchFamily="34" charset="0"/>
-              </a:rPr>
-              <a:t> </a:t>
-            </a:r>
-            <a:r>
-              <a:rPr lang="en-US" dirty="0">
-                <a:latin typeface="Arial" panose="020B0604020202020204" pitchFamily="34" charset="0"/>
-                <a:cs typeface="Arial" panose="020B0604020202020204" pitchFamily="34" charset="0"/>
-              </a:rPr>
-              <a:t>s.ID = a.</a:t>
-            </a:r>
-            <a:r>
-              <a:rPr lang="en-IN" dirty="0">
-                <a:latin typeface="Arial" panose="020B0604020202020204" pitchFamily="34" charset="0"/>
-              </a:rPr>
-              <a:t>studentID</a:t>
-            </a:r>
-            <a:r>
-              <a:rPr lang="en-US" dirty="0">
-                <a:latin typeface="Arial" panose="020B0604020202020204" pitchFamily="34" charset="0"/>
-                <a:cs typeface="Arial" panose="020B0604020202020204" pitchFamily="34" charset="0"/>
-              </a:rPr>
-              <a:t>;</a:t>
-            </a:r>
-          </a:p>
-        </p:txBody>
-      </p:sp>
-      <p:pic>
-        <p:nvPicPr>
-          <p:cNvPr id="15" name="Picture 2"/>
-          <p:cNvPicPr>
-            <a:picLocks noChangeAspect="1" noChangeArrowheads="1"/>
-          </p:cNvPicPr>
-          <p:nvPr/>
-        </p:nvPicPr>
-        <p:blipFill>
-          <a:blip r:embed="rId4" cstate="print"/>
-          <a:srcRect/>
-          <a:stretch>
-            <a:fillRect/>
-          </a:stretch>
-        </p:blipFill>
-        <p:spPr bwMode="auto">
-          <a:xfrm>
-            <a:off x="334566" y="3025988"/>
-            <a:ext cx="11474172" cy="3168352"/>
-          </a:xfrm>
-          <a:prstGeom prst="rect">
-            <a:avLst/>
-          </a:prstGeom>
-          <a:noFill/>
-          <a:ln w="9525">
-            <a:noFill/>
-            <a:miter lim="800000"/>
-            <a:headEnd/>
-            <a:tailEnd/>
-          </a:ln>
-        </p:spPr>
-      </p:pic>
-    </p:spTree>
-    <p:extLst>
-      <p:ext uri="{BB962C8B-B14F-4D97-AF65-F5344CB8AC3E}">
-        <p14:creationId xmlns="" xmlns:p14="http://schemas.microsoft.com/office/powerpoint/2010/main" val="3295181206"/>
-      </p:ext>
-    </p:extLst>
-  </p:cSld>
-  <p:clrMapOvr>
-    <a:masterClrMapping/>
-  </p:clrMapOvr>
-  <p:timing>
-    <p:tnLst>
-      <p:par>
-        <p:cTn id="1" dur="indefinite" restart="never" nodeType="tmRoot">
-          <p:childTnLst>
-            <p:seq concurrent="1" nextAc="seek">
-              <p:cTn id="2" dur="indefinite" nodeType="mainSeq">
-                <p:childTnLst>
-                  <p:par>
-                    <p:cTn id="3" fill="hold">
-                      <p:stCondLst>
-                        <p:cond delay="indefinite"/>
-                      </p:stCondLst>
-                      <p:childTnLst>
-                        <p:par>
-                          <p:cTn id="4" fill="hold">
-                            <p:stCondLst>
-                              <p:cond delay="0"/>
-                            </p:stCondLst>
-                            <p:childTnLst>
-                              <p:par>
-                                <p:cTn id="5" presetID="1" presetClass="entr" presetSubtype="0" fill="hold" grpId="0" nodeType="clickEffect">
-                                  <p:stCondLst>
-                                    <p:cond delay="0"/>
-                                  </p:stCondLst>
-                                  <p:childTnLst>
-                                    <p:set>
-                                      <p:cBhvr>
-                                        <p:cTn id="6" dur="1" fill="hold">
-                                          <p:stCondLst>
-                                            <p:cond delay="0"/>
-                                          </p:stCondLst>
-                                        </p:cTn>
-                                        <p:tgtEl>
-                                          <p:spTgt spid="14"/>
-                                        </p:tgtEl>
-                                        <p:attrNameLst>
-                                          <p:attrName>style.visibility</p:attrName>
-                                        </p:attrNameLst>
-                                      </p:cBhvr>
-                                      <p:to>
-                                        <p:strVal val="visible"/>
-                                      </p:to>
-                                    </p:set>
-                                  </p:childTnLst>
-                                </p:cTn>
-                              </p:par>
-                              <p:par>
-                                <p:cTn id="7" presetID="1" presetClass="entr" presetSubtype="0" fill="hold" nodeType="withEffect">
-                                  <p:stCondLst>
-                                    <p:cond delay="0"/>
-                                  </p:stCondLst>
-                                  <p:childTnLst>
-                                    <p:set>
-                                      <p:cBhvr>
-                                        <p:cTn id="8" dur="1" fill="hold">
-                                          <p:stCondLst>
-                                            <p:cond delay="0"/>
-                                          </p:stCondLst>
-                                        </p:cTn>
-                                        <p:tgtEl>
-                                          <p:spTgt spid="15"/>
-                                        </p:tgtEl>
-                                        <p:attrNameLst>
-                                          <p:attrName>style.visibility</p:attrName>
-                                        </p:attrNameLst>
-                                      </p:cBhvr>
-                                      <p:to>
-                                        <p:strVal val="visible"/>
-                                      </p:to>
-                                    </p:set>
-                                  </p:childTnLst>
-                                </p:cTn>
-                              </p:par>
-                            </p:childTnLst>
-                          </p:cTn>
-                        </p:par>
-                      </p:childTnLst>
-                    </p:cTn>
-                  </p:par>
-                </p:childTnLst>
-              </p:cTn>
-              <p:prevCondLst>
-                <p:cond evt="onPrev" delay="0">
-                  <p:tgtEl>
-                    <p:sldTgt/>
-                  </p:tgtEl>
-                </p:cond>
-              </p:prevCondLst>
-              <p:nextCondLst>
-                <p:cond evt="onNext" delay="0">
-                  <p:tgtEl>
-                    <p:sldTgt/>
-                  </p:tgtEl>
-                </p:cond>
-              </p:nextCondLst>
-            </p:seq>
-          </p:childTnLst>
-        </p:cTn>
-      </p:par>
-    </p:tnLst>
-    <p:bldLst>
-      <p:bldP spid="14" grpId="0"/>
     </p:bldLst>
   </p:timing>
 </p:sld>
